--- a/CSA_final_project.pptx
+++ b/CSA_final_project.pptx
@@ -1,42 +1,49 @@
 
 <file path=ppt/presentation.xml><?xml version="1.0" encoding="utf-8"?>
-<p:presentation xmlns:a="http://schemas.openxmlformats.org/drawingml/2006/main" xmlns:r="http://schemas.openxmlformats.org/officeDocument/2006/relationships" xmlns:p="http://schemas.openxmlformats.org/presentationml/2006/main" saveSubsetFonts="1" embedTrueTypeFonts="true">
+<p:presentation xmlns:a="http://schemas.openxmlformats.org/drawingml/2006/main" xmlns:r="http://schemas.openxmlformats.org/officeDocument/2006/relationships" xmlns:p="http://schemas.openxmlformats.org/presentationml/2006/main" embedTrueTypeFonts="1" saveSubsetFonts="1">
   <p:sldMasterIdLst>
     <p:sldMasterId id="2147483648" r:id="rId1"/>
   </p:sldMasterIdLst>
   <p:notesMasterIdLst>
-    <p:notesMasterId r:id="rId12"/>
+    <p:notesMasterId r:id="rId8"/>
   </p:notesMasterIdLst>
   <p:sldIdLst>
-    <p:sldId id="256" r:id="rId6"/>
-    <p:sldId id="257" r:id="rId7"/>
-    <p:sldId id="258" r:id="rId8"/>
-    <p:sldId id="259" r:id="rId9"/>
-    <p:sldId id="260" r:id="rId10"/>
-    <p:sldId id="261" r:id="rId11"/>
+    <p:sldId id="256" r:id="rId2"/>
+    <p:sldId id="257" r:id="rId3"/>
+    <p:sldId id="258" r:id="rId4"/>
+    <p:sldId id="259" r:id="rId5"/>
+    <p:sldId id="260" r:id="rId6"/>
+    <p:sldId id="261" r:id="rId7"/>
   </p:sldIdLst>
   <p:sldSz cx="18288000" cy="10287000"/>
   <p:notesSz cx="6858000" cy="9144000"/>
   <p:embeddedFontLst>
     <p:embeddedFont>
-      <p:font typeface="Khand" charset="1" panose="02000000000000000000"/>
+      <p:font typeface="Arimo" panose="020B0604020202020204" charset="0"/>
+      <p:regular r:id="rId9"/>
+    </p:embeddedFont>
+    <p:embeddedFont>
+      <p:font typeface="Arimo Bold" panose="020B0604020202020204" charset="0"/>
+      <p:regular r:id="rId10"/>
+    </p:embeddedFont>
+    <p:embeddedFont>
+      <p:font typeface="Calibri" panose="020F0502020204030204" pitchFamily="34" charset="0"/>
+      <p:regular r:id="rId11"/>
+      <p:bold r:id="rId12"/>
+      <p:italic r:id="rId13"/>
+      <p:boldItalic r:id="rId14"/>
+    </p:embeddedFont>
+    <p:embeddedFont>
+      <p:font typeface="Khand" panose="020B0604020202020204" charset="0"/>
       <p:regular r:id="rId15"/>
     </p:embeddedFont>
     <p:embeddedFont>
-      <p:font typeface="Arimo" charset="1" panose="020B0604020202020204"/>
+      <p:font typeface="Khand Bold" panose="020B0604020202020204" charset="0"/>
       <p:regular r:id="rId16"/>
     </p:embeddedFont>
     <p:embeddedFont>
-      <p:font typeface="Khand Bold" charset="1" panose="02000000000000000000"/>
-      <p:regular r:id="rId18"/>
-    </p:embeddedFont>
-    <p:embeddedFont>
-      <p:font typeface="Arimo Bold" charset="1" panose="020B0704020202020204"/>
-      <p:regular r:id="rId19"/>
-    </p:embeddedFont>
-    <p:embeddedFont>
-      <p:font typeface="Khand Medium" charset="1" panose="02000000000000000000"/>
-      <p:regular r:id="rId21"/>
+      <p:font typeface="Khand Medium" panose="020B0604020202020204" charset="0"/>
+      <p:regular r:id="rId17"/>
     </p:embeddedFont>
   </p:embeddedFontLst>
   <p:defaultTextStyle>
@@ -134,6 +141,22 @@
       </a:defRPr>
     </a:lvl9pPr>
   </p:defaultTextStyle>
+  <p:extLst>
+    <p:ext uri="{EFAFB233-063F-42B5-8137-9DF3F51BA10A}">
+      <p15:sldGuideLst xmlns:p15="http://schemas.microsoft.com/office/powerpoint/2012/main">
+        <p15:guide id="1" orient="horz" pos="2160">
+          <p15:clr>
+            <a:srgbClr val="A4A3A4"/>
+          </p15:clr>
+        </p15:guide>
+        <p15:guide id="2" pos="2880">
+          <p15:clr>
+            <a:srgbClr val="A4A3A4"/>
+          </p15:clr>
+        </p15:guide>
+      </p15:sldGuideLst>
+    </p:ext>
+  </p:extLst>
 </p:presentation>
 </file>
 
@@ -219,7 +242,7 @@
           <a:p>
             <a:fld id="{B7268E1E-0E44-426D-905E-8AD9B19D2182}" type="datetimeFigureOut">
               <a:rPr lang="cs-CZ" smtClean="0"/>
-              <a:t>1.7.2013</a:t>
+              <a:t>02.12.2024</a:t>
             </a:fld>
             <a:endParaRPr lang="cs-CZ"/>
           </a:p>
@@ -283,35 +306,35 @@
           <a:p>
             <a:pPr lvl="0"/>
             <a:r>
-              <a:rPr lang="en-US" smtClean="0"/>
+              <a:rPr lang="en-US"/>
               <a:t>Click to edit Master text styles</a:t>
             </a:r>
           </a:p>
           <a:p>
             <a:pPr lvl="1"/>
             <a:r>
-              <a:rPr lang="en-US" smtClean="0"/>
+              <a:rPr lang="en-US"/>
               <a:t>Second level</a:t>
             </a:r>
           </a:p>
           <a:p>
             <a:pPr lvl="2"/>
             <a:r>
-              <a:rPr lang="en-US" smtClean="0"/>
+              <a:rPr lang="en-US"/>
               <a:t>Third level</a:t>
             </a:r>
           </a:p>
           <a:p>
             <a:pPr lvl="3"/>
             <a:r>
-              <a:rPr lang="en-US" smtClean="0"/>
+              <a:rPr lang="en-US"/>
               <a:t>Fourth level</a:t>
             </a:r>
           </a:p>
           <a:p>
             <a:pPr lvl="4"/>
             <a:r>
-              <a:rPr lang="en-US" smtClean="0"/>
+              <a:rPr lang="en-US"/>
               <a:t>Fifth level</a:t>
             </a:r>
             <a:endParaRPr lang="cs-CZ"/>
@@ -488,9 +511,9 @@
 </file>
 
 <file path=ppt/notesSlides/notesSlide1.xml><?xml version="1.0" encoding="utf-8"?>
-<p:notes xmlns:p="http://schemas.openxmlformats.org/presentationml/2006/main" xmlns:a="http://schemas.openxmlformats.org/drawingml/2006/main">
+<p:notes xmlns:a="http://schemas.openxmlformats.org/drawingml/2006/main" xmlns:r="http://schemas.openxmlformats.org/officeDocument/2006/relationships" xmlns:p="http://schemas.openxmlformats.org/presentationml/2006/main">
   <p:cSld>
-    <p:spTree xmlns:r="http://schemas.openxmlformats.org/officeDocument/2006/relationships">
+    <p:spTree>
       <p:nvGrpSpPr>
         <p:cNvPr id="1" name=""/>
         <p:cNvGrpSpPr/>
@@ -530,7 +553,9 @@
               <a:defRPr sz="1200"/>
             </a:lvl1pPr>
           </a:lstStyle>
-          <a:p/>
+          <a:p>
+            <a:endParaRPr/>
+          </a:p>
         </p:txBody>
       </p:sp>
       <p:sp>
@@ -560,8 +585,8 @@
             </a:lvl1pPr>
           </a:lstStyle>
           <a:p>
-            <a:r id="{B7268E1E-0E44-426D-905E-8AD9B19D2182}" type="datetimeFigureOut">
-              <a:rPr lang="cs-CZ" smtClean="0"/>
+            <a:r>
+              <a:rPr lang="cs-CZ"/>
               <a:t>1.7.2013</a:t>
             </a:r>
           </a:p>
@@ -579,8 +604,8 @@
         </p:nvSpPr>
         <p:spPr>
           <a:xfrm>
-            <a:off x="2857500" y="512763"/>
-            <a:ext cx="3429000" cy="2566987"/>
+            <a:off x="2290763" y="512763"/>
+            <a:ext cx="4562475" cy="2566987"/>
           </a:xfrm>
           <a:prstGeom prst="rect">
             <a:avLst/>
@@ -595,7 +620,9 @@
         <p:txBody>
           <a:bodyPr vert="horz" lIns="91440" tIns="45720" rIns="91440" bIns="45720" rtlCol="0" anchor="ctr"/>
           <a:lstStyle/>
-          <a:p/>
+          <a:p>
+            <a:endParaRPr/>
+          </a:p>
         </p:txBody>
       </p:sp>
       <p:sp>
@@ -621,11 +648,7 @@
           <a:bodyPr vert="horz" lIns="91440" tIns="45720" rIns="91440" bIns="45720" rtlCol="0"/>
           <a:lstStyle/>
           <a:p>
-            <a:r>
-              <a:rPr lang="en-US"/>
-              <a:t/>
-            </a:r>
-            <a:endParaRPr lang="en-US" smtClean="0"/>
+            <a:endParaRPr lang="en-US"/>
           </a:p>
         </p:txBody>
       </p:sp>
@@ -655,7 +678,9 @@
               <a:defRPr sz="1200"/>
             </a:lvl1pPr>
           </a:lstStyle>
-          <a:p/>
+          <a:p>
+            <a:endParaRPr/>
+          </a:p>
         </p:txBody>
       </p:sp>
       <p:sp>
@@ -685,8 +710,8 @@
             </a:lvl1pPr>
           </a:lstStyle>
           <a:p>
-            <a:r id="{871B2431-D351-4C6E-A3CF-9DFAC0E3E050}" type="slidenum">
-              <a:rPr lang="cs-CZ" smtClean="0"/>
+            <a:r>
+              <a:rPr lang="cs-CZ"/>
               <a:t>‹#›</a:t>
             </a:r>
           </a:p>
@@ -701,9 +726,9 @@
 </file>
 
 <file path=ppt/notesSlides/notesSlide2.xml><?xml version="1.0" encoding="utf-8"?>
-<p:notes xmlns:p="http://schemas.openxmlformats.org/presentationml/2006/main" xmlns:a="http://schemas.openxmlformats.org/drawingml/2006/main">
+<p:notes xmlns:a="http://schemas.openxmlformats.org/drawingml/2006/main" xmlns:r="http://schemas.openxmlformats.org/officeDocument/2006/relationships" xmlns:p="http://schemas.openxmlformats.org/presentationml/2006/main">
   <p:cSld>
-    <p:spTree xmlns:r="http://schemas.openxmlformats.org/officeDocument/2006/relationships">
+    <p:spTree>
       <p:nvGrpSpPr>
         <p:cNvPr id="1" name=""/>
         <p:cNvGrpSpPr/>
@@ -743,7 +768,9 @@
               <a:defRPr sz="1200"/>
             </a:lvl1pPr>
           </a:lstStyle>
-          <a:p/>
+          <a:p>
+            <a:endParaRPr/>
+          </a:p>
         </p:txBody>
       </p:sp>
       <p:sp>
@@ -773,8 +800,8 @@
             </a:lvl1pPr>
           </a:lstStyle>
           <a:p>
-            <a:r id="{B7268E1E-0E44-426D-905E-8AD9B19D2182}" type="datetimeFigureOut">
-              <a:rPr lang="cs-CZ" smtClean="0"/>
+            <a:r>
+              <a:rPr lang="cs-CZ"/>
               <a:t>1.7.2013</a:t>
             </a:r>
           </a:p>
@@ -792,8 +819,8 @@
         </p:nvSpPr>
         <p:spPr>
           <a:xfrm>
-            <a:off x="2857500" y="512763"/>
-            <a:ext cx="3429000" cy="2566987"/>
+            <a:off x="2290763" y="512763"/>
+            <a:ext cx="4562475" cy="2566987"/>
           </a:xfrm>
           <a:prstGeom prst="rect">
             <a:avLst/>
@@ -808,7 +835,9 @@
         <p:txBody>
           <a:bodyPr vert="horz" lIns="91440" tIns="45720" rIns="91440" bIns="45720" rtlCol="0" anchor="ctr"/>
           <a:lstStyle/>
-          <a:p/>
+          <a:p>
+            <a:endParaRPr/>
+          </a:p>
         </p:txBody>
       </p:sp>
       <p:sp>
@@ -834,11 +863,7 @@
           <a:bodyPr vert="horz" lIns="91440" tIns="45720" rIns="91440" bIns="45720" rtlCol="0"/>
           <a:lstStyle/>
           <a:p>
-            <a:r>
-              <a:rPr lang="en-US"/>
-              <a:t/>
-            </a:r>
-            <a:endParaRPr lang="en-US" smtClean="0"/>
+            <a:endParaRPr lang="en-US"/>
           </a:p>
         </p:txBody>
       </p:sp>
@@ -868,7 +893,9 @@
               <a:defRPr sz="1200"/>
             </a:lvl1pPr>
           </a:lstStyle>
-          <a:p/>
+          <a:p>
+            <a:endParaRPr/>
+          </a:p>
         </p:txBody>
       </p:sp>
       <p:sp>
@@ -898,8 +925,8 @@
             </a:lvl1pPr>
           </a:lstStyle>
           <a:p>
-            <a:r id="{871B2431-D351-4C6E-A3CF-9DFAC0E3E050}" type="slidenum">
-              <a:rPr lang="cs-CZ" smtClean="0"/>
+            <a:r>
+              <a:rPr lang="cs-CZ"/>
               <a:t>‹#›</a:t>
             </a:r>
           </a:p>
@@ -914,9 +941,9 @@
 </file>
 
 <file path=ppt/notesSlides/notesSlide3.xml><?xml version="1.0" encoding="utf-8"?>
-<p:notes xmlns:p="http://schemas.openxmlformats.org/presentationml/2006/main" xmlns:a="http://schemas.openxmlformats.org/drawingml/2006/main">
+<p:notes xmlns:a="http://schemas.openxmlformats.org/drawingml/2006/main" xmlns:r="http://schemas.openxmlformats.org/officeDocument/2006/relationships" xmlns:p="http://schemas.openxmlformats.org/presentationml/2006/main">
   <p:cSld>
-    <p:spTree xmlns:r="http://schemas.openxmlformats.org/officeDocument/2006/relationships">
+    <p:spTree>
       <p:nvGrpSpPr>
         <p:cNvPr id="1" name=""/>
         <p:cNvGrpSpPr/>
@@ -956,7 +983,9 @@
               <a:defRPr sz="1200"/>
             </a:lvl1pPr>
           </a:lstStyle>
-          <a:p/>
+          <a:p>
+            <a:endParaRPr/>
+          </a:p>
         </p:txBody>
       </p:sp>
       <p:sp>
@@ -986,8 +1015,8 @@
             </a:lvl1pPr>
           </a:lstStyle>
           <a:p>
-            <a:r id="{B7268E1E-0E44-426D-905E-8AD9B19D2182}" type="datetimeFigureOut">
-              <a:rPr lang="cs-CZ" smtClean="0"/>
+            <a:r>
+              <a:rPr lang="cs-CZ"/>
               <a:t>1.7.2013</a:t>
             </a:r>
           </a:p>
@@ -1005,8 +1034,8 @@
         </p:nvSpPr>
         <p:spPr>
           <a:xfrm>
-            <a:off x="2857500" y="512763"/>
-            <a:ext cx="3429000" cy="2566987"/>
+            <a:off x="2290763" y="512763"/>
+            <a:ext cx="4562475" cy="2566987"/>
           </a:xfrm>
           <a:prstGeom prst="rect">
             <a:avLst/>
@@ -1021,7 +1050,9 @@
         <p:txBody>
           <a:bodyPr vert="horz" lIns="91440" tIns="45720" rIns="91440" bIns="45720" rtlCol="0" anchor="ctr"/>
           <a:lstStyle/>
-          <a:p/>
+          <a:p>
+            <a:endParaRPr/>
+          </a:p>
         </p:txBody>
       </p:sp>
       <p:sp>
@@ -1047,11 +1078,7 @@
           <a:bodyPr vert="horz" lIns="91440" tIns="45720" rIns="91440" bIns="45720" rtlCol="0"/>
           <a:lstStyle/>
           <a:p>
-            <a:r>
-              <a:rPr lang="en-US"/>
-              <a:t/>
-            </a:r>
-            <a:endParaRPr lang="en-US" smtClean="0"/>
+            <a:endParaRPr lang="en-US"/>
           </a:p>
         </p:txBody>
       </p:sp>
@@ -1081,7 +1108,9 @@
               <a:defRPr sz="1200"/>
             </a:lvl1pPr>
           </a:lstStyle>
-          <a:p/>
+          <a:p>
+            <a:endParaRPr/>
+          </a:p>
         </p:txBody>
       </p:sp>
       <p:sp>
@@ -1111,8 +1140,8 @@
             </a:lvl1pPr>
           </a:lstStyle>
           <a:p>
-            <a:r id="{871B2431-D351-4C6E-A3CF-9DFAC0E3E050}" type="slidenum">
-              <a:rPr lang="cs-CZ" smtClean="0"/>
+            <a:r>
+              <a:rPr lang="cs-CZ"/>
               <a:t>‹#›</a:t>
             </a:r>
           </a:p>
@@ -1127,9 +1156,9 @@
 </file>
 
 <file path=ppt/notesSlides/notesSlide4.xml><?xml version="1.0" encoding="utf-8"?>
-<p:notes xmlns:p="http://schemas.openxmlformats.org/presentationml/2006/main" xmlns:a="http://schemas.openxmlformats.org/drawingml/2006/main">
+<p:notes xmlns:a="http://schemas.openxmlformats.org/drawingml/2006/main" xmlns:r="http://schemas.openxmlformats.org/officeDocument/2006/relationships" xmlns:p="http://schemas.openxmlformats.org/presentationml/2006/main">
   <p:cSld>
-    <p:spTree xmlns:r="http://schemas.openxmlformats.org/officeDocument/2006/relationships">
+    <p:spTree>
       <p:nvGrpSpPr>
         <p:cNvPr id="1" name=""/>
         <p:cNvGrpSpPr/>
@@ -1169,7 +1198,9 @@
               <a:defRPr sz="1200"/>
             </a:lvl1pPr>
           </a:lstStyle>
-          <a:p/>
+          <a:p>
+            <a:endParaRPr/>
+          </a:p>
         </p:txBody>
       </p:sp>
       <p:sp>
@@ -1199,8 +1230,8 @@
             </a:lvl1pPr>
           </a:lstStyle>
           <a:p>
-            <a:r id="{B7268E1E-0E44-426D-905E-8AD9B19D2182}" type="datetimeFigureOut">
-              <a:rPr lang="cs-CZ" smtClean="0"/>
+            <a:r>
+              <a:rPr lang="cs-CZ"/>
               <a:t>1.7.2013</a:t>
             </a:r>
           </a:p>
@@ -1234,7 +1265,9 @@
         <p:txBody>
           <a:bodyPr vert="horz" lIns="91440" tIns="45720" rIns="91440" bIns="45720" rtlCol="0" anchor="ctr"/>
           <a:lstStyle/>
-          <a:p/>
+          <a:p>
+            <a:endParaRPr/>
+          </a:p>
         </p:txBody>
       </p:sp>
       <p:sp>
@@ -1260,11 +1293,7 @@
           <a:bodyPr vert="horz" lIns="91440" tIns="45720" rIns="91440" bIns="45720" rtlCol="0"/>
           <a:lstStyle/>
           <a:p>
-            <a:r>
-              <a:rPr lang="en-US"/>
-              <a:t/>
-            </a:r>
-            <a:endParaRPr lang="en-US" smtClean="0"/>
+            <a:endParaRPr lang="en-US"/>
           </a:p>
         </p:txBody>
       </p:sp>
@@ -1294,7 +1323,9 @@
               <a:defRPr sz="1200"/>
             </a:lvl1pPr>
           </a:lstStyle>
-          <a:p/>
+          <a:p>
+            <a:endParaRPr/>
+          </a:p>
         </p:txBody>
       </p:sp>
       <p:sp>
@@ -1324,8 +1355,8 @@
             </a:lvl1pPr>
           </a:lstStyle>
           <a:p>
-            <a:r id="{871B2431-D351-4C6E-A3CF-9DFAC0E3E050}" type="slidenum">
-              <a:rPr lang="cs-CZ" smtClean="0"/>
+            <a:r>
+              <a:rPr lang="cs-CZ"/>
               <a:t>‹#›</a:t>
             </a:r>
           </a:p>
@@ -1340,9 +1371,9 @@
 </file>
 
 <file path=ppt/notesSlides/notesSlide5.xml><?xml version="1.0" encoding="utf-8"?>
-<p:notes xmlns:p="http://schemas.openxmlformats.org/presentationml/2006/main" xmlns:a="http://schemas.openxmlformats.org/drawingml/2006/main">
+<p:notes xmlns:a="http://schemas.openxmlformats.org/drawingml/2006/main" xmlns:r="http://schemas.openxmlformats.org/officeDocument/2006/relationships" xmlns:p="http://schemas.openxmlformats.org/presentationml/2006/main">
   <p:cSld>
-    <p:spTree xmlns:r="http://schemas.openxmlformats.org/officeDocument/2006/relationships">
+    <p:spTree>
       <p:nvGrpSpPr>
         <p:cNvPr id="1" name=""/>
         <p:cNvGrpSpPr/>
@@ -1382,7 +1413,9 @@
               <a:defRPr sz="1200"/>
             </a:lvl1pPr>
           </a:lstStyle>
-          <a:p/>
+          <a:p>
+            <a:endParaRPr/>
+          </a:p>
         </p:txBody>
       </p:sp>
       <p:sp>
@@ -1412,8 +1445,8 @@
             </a:lvl1pPr>
           </a:lstStyle>
           <a:p>
-            <a:r id="{B7268E1E-0E44-426D-905E-8AD9B19D2182}" type="datetimeFigureOut">
-              <a:rPr lang="cs-CZ" smtClean="0"/>
+            <a:r>
+              <a:rPr lang="cs-CZ"/>
               <a:t>1.7.2013</a:t>
             </a:r>
           </a:p>
@@ -1447,7 +1480,9 @@
         <p:txBody>
           <a:bodyPr vert="horz" lIns="91440" tIns="45720" rIns="91440" bIns="45720" rtlCol="0" anchor="ctr"/>
           <a:lstStyle/>
-          <a:p/>
+          <a:p>
+            <a:endParaRPr/>
+          </a:p>
         </p:txBody>
       </p:sp>
       <p:sp>
@@ -1473,11 +1508,7 @@
           <a:bodyPr vert="horz" lIns="91440" tIns="45720" rIns="91440" bIns="45720" rtlCol="0"/>
           <a:lstStyle/>
           <a:p>
-            <a:r>
-              <a:rPr lang="en-US"/>
-              <a:t/>
-            </a:r>
-            <a:endParaRPr lang="en-US" smtClean="0"/>
+            <a:endParaRPr lang="en-US"/>
           </a:p>
         </p:txBody>
       </p:sp>
@@ -1507,7 +1538,9 @@
               <a:defRPr sz="1200"/>
             </a:lvl1pPr>
           </a:lstStyle>
-          <a:p/>
+          <a:p>
+            <a:endParaRPr/>
+          </a:p>
         </p:txBody>
       </p:sp>
       <p:sp>
@@ -1537,8 +1570,8 @@
             </a:lvl1pPr>
           </a:lstStyle>
           <a:p>
-            <a:r id="{871B2431-D351-4C6E-A3CF-9DFAC0E3E050}" type="slidenum">
-              <a:rPr lang="cs-CZ" smtClean="0"/>
+            <a:r>
+              <a:rPr lang="cs-CZ"/>
               <a:t>‹#›</a:t>
             </a:r>
           </a:p>
@@ -1553,9 +1586,9 @@
 </file>
 
 <file path=ppt/notesSlides/notesSlide6.xml><?xml version="1.0" encoding="utf-8"?>
-<p:notes xmlns:p="http://schemas.openxmlformats.org/presentationml/2006/main" xmlns:a="http://schemas.openxmlformats.org/drawingml/2006/main">
+<p:notes xmlns:a="http://schemas.openxmlformats.org/drawingml/2006/main" xmlns:r="http://schemas.openxmlformats.org/officeDocument/2006/relationships" xmlns:p="http://schemas.openxmlformats.org/presentationml/2006/main">
   <p:cSld>
-    <p:spTree xmlns:r="http://schemas.openxmlformats.org/officeDocument/2006/relationships">
+    <p:spTree>
       <p:nvGrpSpPr>
         <p:cNvPr id="1" name=""/>
         <p:cNvGrpSpPr/>
@@ -1595,7 +1628,9 @@
               <a:defRPr sz="1200"/>
             </a:lvl1pPr>
           </a:lstStyle>
-          <a:p/>
+          <a:p>
+            <a:endParaRPr/>
+          </a:p>
         </p:txBody>
       </p:sp>
       <p:sp>
@@ -1625,8 +1660,8 @@
             </a:lvl1pPr>
           </a:lstStyle>
           <a:p>
-            <a:r id="{B7268E1E-0E44-426D-905E-8AD9B19D2182}" type="datetimeFigureOut">
-              <a:rPr lang="cs-CZ" smtClean="0"/>
+            <a:r>
+              <a:rPr lang="cs-CZ"/>
               <a:t>1.7.2013</a:t>
             </a:r>
           </a:p>
@@ -1660,7 +1695,9 @@
         <p:txBody>
           <a:bodyPr vert="horz" lIns="91440" tIns="45720" rIns="91440" bIns="45720" rtlCol="0" anchor="ctr"/>
           <a:lstStyle/>
-          <a:p/>
+          <a:p>
+            <a:endParaRPr/>
+          </a:p>
         </p:txBody>
       </p:sp>
       <p:sp>
@@ -1686,11 +1723,7 @@
           <a:bodyPr vert="horz" lIns="91440" tIns="45720" rIns="91440" bIns="45720" rtlCol="0"/>
           <a:lstStyle/>
           <a:p>
-            <a:r>
-              <a:rPr lang="en-US"/>
-              <a:t/>
-            </a:r>
-            <a:endParaRPr lang="en-US" smtClean="0"/>
+            <a:endParaRPr lang="en-US"/>
           </a:p>
         </p:txBody>
       </p:sp>
@@ -1720,7 +1753,9 @@
               <a:defRPr sz="1200"/>
             </a:lvl1pPr>
           </a:lstStyle>
-          <a:p/>
+          <a:p>
+            <a:endParaRPr/>
+          </a:p>
         </p:txBody>
       </p:sp>
       <p:sp>
@@ -1750,8 +1785,8 @@
             </a:lvl1pPr>
           </a:lstStyle>
           <a:p>
-            <a:r id="{871B2431-D351-4C6E-A3CF-9DFAC0E3E050}" type="slidenum">
-              <a:rPr lang="cs-CZ" smtClean="0"/>
+            <a:r>
+              <a:rPr lang="cs-CZ"/>
               <a:t>‹#›</a:t>
             </a:r>
           </a:p>
@@ -1803,10 +1838,9 @@
           <a:lstStyle/>
           <a:p>
             <a:r>
-              <a:rPr lang="en-US" smtClean="0"/>
+              <a:rPr lang="en-US"/>
               <a:t>Click to edit Master title style</a:t>
             </a:r>
-            <a:endParaRPr lang="en-US"/>
           </a:p>
         </p:txBody>
       </p:sp>
@@ -1922,10 +1956,9 @@
           </a:lstStyle>
           <a:p>
             <a:r>
-              <a:rPr lang="en-US" smtClean="0"/>
+              <a:rPr lang="en-US"/>
               <a:t>Click to edit Master subtitle style</a:t>
             </a:r>
-            <a:endParaRPr lang="en-US"/>
           </a:p>
         </p:txBody>
       </p:sp>
@@ -1947,7 +1980,7 @@
             <a:fld id="{1D8BD707-D9CF-40AE-B4C6-C98DA3205C09}" type="datetimeFigureOut">
               <a:rPr lang="en-US" smtClean="0"/>
               <a:pPr/>
-              <a:t>8/1/2011</a:t>
+              <a:t>12/2/2024</a:t>
             </a:fld>
             <a:endParaRPr lang="en-US"/>
           </a:p>
@@ -2037,10 +2070,9 @@
           <a:lstStyle/>
           <a:p>
             <a:r>
-              <a:rPr lang="en-US" smtClean="0"/>
+              <a:rPr lang="en-US"/>
               <a:t>Click to edit Master title style</a:t>
             </a:r>
-            <a:endParaRPr lang="en-US"/>
           </a:p>
         </p:txBody>
       </p:sp>
@@ -2061,38 +2093,37 @@
           <a:p>
             <a:pPr lvl="0"/>
             <a:r>
-              <a:rPr lang="en-US" smtClean="0"/>
+              <a:rPr lang="en-US"/>
               <a:t>Click to edit Master text styles</a:t>
             </a:r>
           </a:p>
           <a:p>
             <a:pPr lvl="1"/>
             <a:r>
-              <a:rPr lang="en-US" smtClean="0"/>
+              <a:rPr lang="en-US"/>
               <a:t>Second level</a:t>
             </a:r>
           </a:p>
           <a:p>
             <a:pPr lvl="2"/>
             <a:r>
-              <a:rPr lang="en-US" smtClean="0"/>
+              <a:rPr lang="en-US"/>
               <a:t>Third level</a:t>
             </a:r>
           </a:p>
           <a:p>
             <a:pPr lvl="3"/>
             <a:r>
-              <a:rPr lang="en-US" smtClean="0"/>
+              <a:rPr lang="en-US"/>
               <a:t>Fourth level</a:t>
             </a:r>
           </a:p>
           <a:p>
             <a:pPr lvl="4"/>
             <a:r>
-              <a:rPr lang="en-US" smtClean="0"/>
+              <a:rPr lang="en-US"/>
               <a:t>Fifth level</a:t>
             </a:r>
-            <a:endParaRPr lang="en-US"/>
           </a:p>
         </p:txBody>
       </p:sp>
@@ -2114,7 +2145,7 @@
             <a:fld id="{1D8BD707-D9CF-40AE-B4C6-C98DA3205C09}" type="datetimeFigureOut">
               <a:rPr lang="en-US" smtClean="0"/>
               <a:pPr/>
-              <a:t>8/1/2011</a:t>
+              <a:t>12/2/2024</a:t>
             </a:fld>
             <a:endParaRPr lang="en-US"/>
           </a:p>
@@ -2209,10 +2240,9 @@
           <a:lstStyle/>
           <a:p>
             <a:r>
-              <a:rPr lang="en-US" smtClean="0"/>
+              <a:rPr lang="en-US"/>
               <a:t>Click to edit Master title style</a:t>
             </a:r>
-            <a:endParaRPr lang="en-US"/>
           </a:p>
         </p:txBody>
       </p:sp>
@@ -2238,38 +2268,37 @@
           <a:p>
             <a:pPr lvl="0"/>
             <a:r>
-              <a:rPr lang="en-US" smtClean="0"/>
+              <a:rPr lang="en-US"/>
               <a:t>Click to edit Master text styles</a:t>
             </a:r>
           </a:p>
           <a:p>
             <a:pPr lvl="1"/>
             <a:r>
-              <a:rPr lang="en-US" smtClean="0"/>
+              <a:rPr lang="en-US"/>
               <a:t>Second level</a:t>
             </a:r>
           </a:p>
           <a:p>
             <a:pPr lvl="2"/>
             <a:r>
-              <a:rPr lang="en-US" smtClean="0"/>
+              <a:rPr lang="en-US"/>
               <a:t>Third level</a:t>
             </a:r>
           </a:p>
           <a:p>
             <a:pPr lvl="3"/>
             <a:r>
-              <a:rPr lang="en-US" smtClean="0"/>
+              <a:rPr lang="en-US"/>
               <a:t>Fourth level</a:t>
             </a:r>
           </a:p>
           <a:p>
             <a:pPr lvl="4"/>
             <a:r>
-              <a:rPr lang="en-US" smtClean="0"/>
+              <a:rPr lang="en-US"/>
               <a:t>Fifth level</a:t>
             </a:r>
-            <a:endParaRPr lang="en-US"/>
           </a:p>
         </p:txBody>
       </p:sp>
@@ -2291,7 +2320,7 @@
             <a:fld id="{1D8BD707-D9CF-40AE-B4C6-C98DA3205C09}" type="datetimeFigureOut">
               <a:rPr lang="en-US" smtClean="0"/>
               <a:pPr/>
-              <a:t>8/1/2011</a:t>
+              <a:t>12/2/2024</a:t>
             </a:fld>
             <a:endParaRPr lang="en-US"/>
           </a:p>
@@ -2381,10 +2410,9 @@
           <a:lstStyle/>
           <a:p>
             <a:r>
-              <a:rPr lang="en-US" smtClean="0"/>
+              <a:rPr lang="en-US"/>
               <a:t>Click to edit Master title style</a:t>
             </a:r>
-            <a:endParaRPr lang="en-US"/>
           </a:p>
         </p:txBody>
       </p:sp>
@@ -2405,38 +2433,37 @@
           <a:p>
             <a:pPr lvl="0"/>
             <a:r>
-              <a:rPr lang="en-US" smtClean="0"/>
+              <a:rPr lang="en-US"/>
               <a:t>Click to edit Master text styles</a:t>
             </a:r>
           </a:p>
           <a:p>
             <a:pPr lvl="1"/>
             <a:r>
-              <a:rPr lang="en-US" smtClean="0"/>
+              <a:rPr lang="en-US"/>
               <a:t>Second level</a:t>
             </a:r>
           </a:p>
           <a:p>
             <a:pPr lvl="2"/>
             <a:r>
-              <a:rPr lang="en-US" smtClean="0"/>
+              <a:rPr lang="en-US"/>
               <a:t>Third level</a:t>
             </a:r>
           </a:p>
           <a:p>
             <a:pPr lvl="3"/>
             <a:r>
-              <a:rPr lang="en-US" smtClean="0"/>
+              <a:rPr lang="en-US"/>
               <a:t>Fourth level</a:t>
             </a:r>
           </a:p>
           <a:p>
             <a:pPr lvl="4"/>
             <a:r>
-              <a:rPr lang="en-US" smtClean="0"/>
+              <a:rPr lang="en-US"/>
               <a:t>Fifth level</a:t>
             </a:r>
-            <a:endParaRPr lang="en-US"/>
           </a:p>
         </p:txBody>
       </p:sp>
@@ -2458,7 +2485,7 @@
             <a:fld id="{1D8BD707-D9CF-40AE-B4C6-C98DA3205C09}" type="datetimeFigureOut">
               <a:rPr lang="en-US" smtClean="0"/>
               <a:pPr/>
-              <a:t>8/1/2011</a:t>
+              <a:t>12/2/2024</a:t>
             </a:fld>
             <a:endParaRPr lang="en-US"/>
           </a:p>
@@ -2557,10 +2584,9 @@
           </a:lstStyle>
           <a:p>
             <a:r>
-              <a:rPr lang="en-US" smtClean="0"/>
+              <a:rPr lang="en-US"/>
               <a:t>Click to edit Master title style</a:t>
             </a:r>
-            <a:endParaRPr lang="en-US"/>
           </a:p>
         </p:txBody>
       </p:sp>
@@ -2677,7 +2703,7 @@
           <a:p>
             <a:pPr lvl="0"/>
             <a:r>
-              <a:rPr lang="en-US" smtClean="0"/>
+              <a:rPr lang="en-US"/>
               <a:t>Click to edit Master text styles</a:t>
             </a:r>
           </a:p>
@@ -2701,7 +2727,7 @@
             <a:fld id="{1D8BD707-D9CF-40AE-B4C6-C98DA3205C09}" type="datetimeFigureOut">
               <a:rPr lang="en-US" smtClean="0"/>
               <a:pPr/>
-              <a:t>8/1/2011</a:t>
+              <a:t>12/2/2024</a:t>
             </a:fld>
             <a:endParaRPr lang="en-US"/>
           </a:p>
@@ -2791,10 +2817,9 @@
           <a:lstStyle/>
           <a:p>
             <a:r>
-              <a:rPr lang="en-US" smtClean="0"/>
+              <a:rPr lang="en-US"/>
               <a:t>Click to edit Master title style</a:t>
             </a:r>
-            <a:endParaRPr lang="en-US"/>
           </a:p>
         </p:txBody>
       </p:sp>
@@ -2848,38 +2873,37 @@
           <a:p>
             <a:pPr lvl="0"/>
             <a:r>
-              <a:rPr lang="en-US" smtClean="0"/>
+              <a:rPr lang="en-US"/>
               <a:t>Click to edit Master text styles</a:t>
             </a:r>
           </a:p>
           <a:p>
             <a:pPr lvl="1"/>
             <a:r>
-              <a:rPr lang="en-US" smtClean="0"/>
+              <a:rPr lang="en-US"/>
               <a:t>Second level</a:t>
             </a:r>
           </a:p>
           <a:p>
             <a:pPr lvl="2"/>
             <a:r>
-              <a:rPr lang="en-US" smtClean="0"/>
+              <a:rPr lang="en-US"/>
               <a:t>Third level</a:t>
             </a:r>
           </a:p>
           <a:p>
             <a:pPr lvl="3"/>
             <a:r>
-              <a:rPr lang="en-US" smtClean="0"/>
+              <a:rPr lang="en-US"/>
               <a:t>Fourth level</a:t>
             </a:r>
           </a:p>
           <a:p>
             <a:pPr lvl="4"/>
             <a:r>
-              <a:rPr lang="en-US" smtClean="0"/>
+              <a:rPr lang="en-US"/>
               <a:t>Fifth level</a:t>
             </a:r>
-            <a:endParaRPr lang="en-US"/>
           </a:p>
         </p:txBody>
       </p:sp>
@@ -2933,38 +2957,37 @@
           <a:p>
             <a:pPr lvl="0"/>
             <a:r>
-              <a:rPr lang="en-US" smtClean="0"/>
+              <a:rPr lang="en-US"/>
               <a:t>Click to edit Master text styles</a:t>
             </a:r>
           </a:p>
           <a:p>
             <a:pPr lvl="1"/>
             <a:r>
-              <a:rPr lang="en-US" smtClean="0"/>
+              <a:rPr lang="en-US"/>
               <a:t>Second level</a:t>
             </a:r>
           </a:p>
           <a:p>
             <a:pPr lvl="2"/>
             <a:r>
-              <a:rPr lang="en-US" smtClean="0"/>
+              <a:rPr lang="en-US"/>
               <a:t>Third level</a:t>
             </a:r>
           </a:p>
           <a:p>
             <a:pPr lvl="3"/>
             <a:r>
-              <a:rPr lang="en-US" smtClean="0"/>
+              <a:rPr lang="en-US"/>
               <a:t>Fourth level</a:t>
             </a:r>
           </a:p>
           <a:p>
             <a:pPr lvl="4"/>
             <a:r>
-              <a:rPr lang="en-US" smtClean="0"/>
+              <a:rPr lang="en-US"/>
               <a:t>Fifth level</a:t>
             </a:r>
-            <a:endParaRPr lang="en-US"/>
           </a:p>
         </p:txBody>
       </p:sp>
@@ -2986,7 +3009,7 @@
             <a:fld id="{1D8BD707-D9CF-40AE-B4C6-C98DA3205C09}" type="datetimeFigureOut">
               <a:rPr lang="en-US" smtClean="0"/>
               <a:pPr/>
-              <a:t>8/1/2011</a:t>
+              <a:t>12/2/2024</a:t>
             </a:fld>
             <a:endParaRPr lang="en-US"/>
           </a:p>
@@ -3080,10 +3103,9 @@
           </a:lstStyle>
           <a:p>
             <a:r>
-              <a:rPr lang="en-US" smtClean="0"/>
+              <a:rPr lang="en-US"/>
               <a:t>Click to edit Master title style</a:t>
             </a:r>
-            <a:endParaRPr lang="en-US"/>
           </a:p>
         </p:txBody>
       </p:sp>
@@ -3146,7 +3168,7 @@
           <a:p>
             <a:pPr lvl="0"/>
             <a:r>
-              <a:rPr lang="en-US" smtClean="0"/>
+              <a:rPr lang="en-US"/>
               <a:t>Click to edit Master text styles</a:t>
             </a:r>
           </a:p>
@@ -3202,38 +3224,37 @@
           <a:p>
             <a:pPr lvl="0"/>
             <a:r>
-              <a:rPr lang="en-US" smtClean="0"/>
+              <a:rPr lang="en-US"/>
               <a:t>Click to edit Master text styles</a:t>
             </a:r>
           </a:p>
           <a:p>
             <a:pPr lvl="1"/>
             <a:r>
-              <a:rPr lang="en-US" smtClean="0"/>
+              <a:rPr lang="en-US"/>
               <a:t>Second level</a:t>
             </a:r>
           </a:p>
           <a:p>
             <a:pPr lvl="2"/>
             <a:r>
-              <a:rPr lang="en-US" smtClean="0"/>
+              <a:rPr lang="en-US"/>
               <a:t>Third level</a:t>
             </a:r>
           </a:p>
           <a:p>
             <a:pPr lvl="3"/>
             <a:r>
-              <a:rPr lang="en-US" smtClean="0"/>
+              <a:rPr lang="en-US"/>
               <a:t>Fourth level</a:t>
             </a:r>
           </a:p>
           <a:p>
             <a:pPr lvl="4"/>
             <a:r>
-              <a:rPr lang="en-US" smtClean="0"/>
+              <a:rPr lang="en-US"/>
               <a:t>Fifth level</a:t>
             </a:r>
-            <a:endParaRPr lang="en-US"/>
           </a:p>
         </p:txBody>
       </p:sp>
@@ -3296,7 +3317,7 @@
           <a:p>
             <a:pPr lvl="0"/>
             <a:r>
-              <a:rPr lang="en-US" smtClean="0"/>
+              <a:rPr lang="en-US"/>
               <a:t>Click to edit Master text styles</a:t>
             </a:r>
           </a:p>
@@ -3352,38 +3373,37 @@
           <a:p>
             <a:pPr lvl="0"/>
             <a:r>
-              <a:rPr lang="en-US" smtClean="0"/>
+              <a:rPr lang="en-US"/>
               <a:t>Click to edit Master text styles</a:t>
             </a:r>
           </a:p>
           <a:p>
             <a:pPr lvl="1"/>
             <a:r>
-              <a:rPr lang="en-US" smtClean="0"/>
+              <a:rPr lang="en-US"/>
               <a:t>Second level</a:t>
             </a:r>
           </a:p>
           <a:p>
             <a:pPr lvl="2"/>
             <a:r>
-              <a:rPr lang="en-US" smtClean="0"/>
+              <a:rPr lang="en-US"/>
               <a:t>Third level</a:t>
             </a:r>
           </a:p>
           <a:p>
             <a:pPr lvl="3"/>
             <a:r>
-              <a:rPr lang="en-US" smtClean="0"/>
+              <a:rPr lang="en-US"/>
               <a:t>Fourth level</a:t>
             </a:r>
           </a:p>
           <a:p>
             <a:pPr lvl="4"/>
             <a:r>
-              <a:rPr lang="en-US" smtClean="0"/>
+              <a:rPr lang="en-US"/>
               <a:t>Fifth level</a:t>
             </a:r>
-            <a:endParaRPr lang="en-US"/>
           </a:p>
         </p:txBody>
       </p:sp>
@@ -3405,7 +3425,7 @@
             <a:fld id="{1D8BD707-D9CF-40AE-B4C6-C98DA3205C09}" type="datetimeFigureOut">
               <a:rPr lang="en-US" smtClean="0"/>
               <a:pPr/>
-              <a:t>8/1/2011</a:t>
+              <a:t>12/2/2024</a:t>
             </a:fld>
             <a:endParaRPr lang="en-US"/>
           </a:p>
@@ -3495,10 +3515,9 @@
           <a:lstStyle/>
           <a:p>
             <a:r>
-              <a:rPr lang="en-US" smtClean="0"/>
+              <a:rPr lang="en-US"/>
               <a:t>Click to edit Master title style</a:t>
             </a:r>
-            <a:endParaRPr lang="en-US"/>
           </a:p>
         </p:txBody>
       </p:sp>
@@ -3520,7 +3539,7 @@
             <a:fld id="{1D8BD707-D9CF-40AE-B4C6-C98DA3205C09}" type="datetimeFigureOut">
               <a:rPr lang="en-US" smtClean="0"/>
               <a:pPr/>
-              <a:t>8/1/2011</a:t>
+              <a:t>12/2/2024</a:t>
             </a:fld>
             <a:endParaRPr lang="en-US"/>
           </a:p>
@@ -3612,7 +3631,7 @@
             <a:fld id="{1D8BD707-D9CF-40AE-B4C6-C98DA3205C09}" type="datetimeFigureOut">
               <a:rPr lang="en-US" smtClean="0"/>
               <a:pPr/>
-              <a:t>8/1/2011</a:t>
+              <a:t>12/2/2024</a:t>
             </a:fld>
             <a:endParaRPr lang="en-US"/>
           </a:p>
@@ -3711,10 +3730,9 @@
           </a:lstStyle>
           <a:p>
             <a:r>
-              <a:rPr lang="en-US" smtClean="0"/>
+              <a:rPr lang="en-US"/>
               <a:t>Click to edit Master title style</a:t>
             </a:r>
-            <a:endParaRPr lang="en-US"/>
           </a:p>
         </p:txBody>
       </p:sp>
@@ -3768,38 +3786,37 @@
           <a:p>
             <a:pPr lvl="0"/>
             <a:r>
-              <a:rPr lang="en-US" smtClean="0"/>
+              <a:rPr lang="en-US"/>
               <a:t>Click to edit Master text styles</a:t>
             </a:r>
           </a:p>
           <a:p>
             <a:pPr lvl="1"/>
             <a:r>
-              <a:rPr lang="en-US" smtClean="0"/>
+              <a:rPr lang="en-US"/>
               <a:t>Second level</a:t>
             </a:r>
           </a:p>
           <a:p>
             <a:pPr lvl="2"/>
             <a:r>
-              <a:rPr lang="en-US" smtClean="0"/>
+              <a:rPr lang="en-US"/>
               <a:t>Third level</a:t>
             </a:r>
           </a:p>
           <a:p>
             <a:pPr lvl="3"/>
             <a:r>
-              <a:rPr lang="en-US" smtClean="0"/>
+              <a:rPr lang="en-US"/>
               <a:t>Fourth level</a:t>
             </a:r>
           </a:p>
           <a:p>
             <a:pPr lvl="4"/>
             <a:r>
-              <a:rPr lang="en-US" smtClean="0"/>
+              <a:rPr lang="en-US"/>
               <a:t>Fifth level</a:t>
             </a:r>
-            <a:endParaRPr lang="en-US"/>
           </a:p>
         </p:txBody>
       </p:sp>
@@ -3862,7 +3879,7 @@
           <a:p>
             <a:pPr lvl="0"/>
             <a:r>
-              <a:rPr lang="en-US" smtClean="0"/>
+              <a:rPr lang="en-US"/>
               <a:t>Click to edit Master text styles</a:t>
             </a:r>
           </a:p>
@@ -3886,7 +3903,7 @@
             <a:fld id="{1D8BD707-D9CF-40AE-B4C6-C98DA3205C09}" type="datetimeFigureOut">
               <a:rPr lang="en-US" smtClean="0"/>
               <a:pPr/>
-              <a:t>8/1/2011</a:t>
+              <a:t>12/2/2024</a:t>
             </a:fld>
             <a:endParaRPr lang="en-US"/>
           </a:p>
@@ -3985,10 +4002,9 @@
           </a:lstStyle>
           <a:p>
             <a:r>
-              <a:rPr lang="en-US" smtClean="0"/>
+              <a:rPr lang="en-US"/>
               <a:t>Click to edit Master title style</a:t>
             </a:r>
-            <a:endParaRPr lang="en-US"/>
           </a:p>
         </p:txBody>
       </p:sp>
@@ -4112,7 +4128,7 @@
           <a:p>
             <a:pPr lvl="0"/>
             <a:r>
-              <a:rPr lang="en-US" smtClean="0"/>
+              <a:rPr lang="en-US"/>
               <a:t>Click to edit Master text styles</a:t>
             </a:r>
           </a:p>
@@ -4136,7 +4152,7 @@
             <a:fld id="{1D8BD707-D9CF-40AE-B4C6-C98DA3205C09}" type="datetimeFigureOut">
               <a:rPr lang="en-US" smtClean="0"/>
               <a:pPr/>
-              <a:t>8/1/2011</a:t>
+              <a:t>12/2/2024</a:t>
             </a:fld>
             <a:endParaRPr lang="en-US"/>
           </a:p>
@@ -4241,10 +4257,9 @@
           <a:lstStyle/>
           <a:p>
             <a:r>
-              <a:rPr lang="en-US" smtClean="0"/>
+              <a:rPr lang="en-US"/>
               <a:t>Click to edit Master title style</a:t>
             </a:r>
-            <a:endParaRPr lang="en-US"/>
           </a:p>
         </p:txBody>
       </p:sp>
@@ -4275,38 +4290,37 @@
           <a:p>
             <a:pPr lvl="0"/>
             <a:r>
-              <a:rPr lang="en-US" smtClean="0"/>
+              <a:rPr lang="en-US"/>
               <a:t>Click to edit Master text styles</a:t>
             </a:r>
           </a:p>
           <a:p>
             <a:pPr lvl="1"/>
             <a:r>
-              <a:rPr lang="en-US" smtClean="0"/>
+              <a:rPr lang="en-US"/>
               <a:t>Second level</a:t>
             </a:r>
           </a:p>
           <a:p>
             <a:pPr lvl="2"/>
             <a:r>
-              <a:rPr lang="en-US" smtClean="0"/>
+              <a:rPr lang="en-US"/>
               <a:t>Third level</a:t>
             </a:r>
           </a:p>
           <a:p>
             <a:pPr lvl="3"/>
             <a:r>
-              <a:rPr lang="en-US" smtClean="0"/>
+              <a:rPr lang="en-US"/>
               <a:t>Fourth level</a:t>
             </a:r>
           </a:p>
           <a:p>
             <a:pPr lvl="4"/>
             <a:r>
-              <a:rPr lang="en-US" smtClean="0"/>
+              <a:rPr lang="en-US"/>
               <a:t>Fifth level</a:t>
             </a:r>
-            <a:endParaRPr lang="en-US"/>
           </a:p>
         </p:txBody>
       </p:sp>
@@ -4346,7 +4360,7 @@
             <a:fld id="{1D8BD707-D9CF-40AE-B4C6-C98DA3205C09}" type="datetimeFigureOut">
               <a:rPr lang="en-US" smtClean="0"/>
               <a:pPr/>
-              <a:t>8/1/2011</a:t>
+              <a:t>12/2/2024</a:t>
             </a:fld>
             <a:endParaRPr lang="en-US"/>
           </a:p>
@@ -4701,7 +4715,7 @@
 </file>
 
 <file path=ppt/slides/slide1.xml><?xml version="1.0" encoding="utf-8"?>
-<p:sld xmlns:p="http://schemas.openxmlformats.org/presentationml/2006/main" xmlns:a="http://schemas.openxmlformats.org/drawingml/2006/main" xmlns:r="http://schemas.openxmlformats.org/officeDocument/2006/relationships">
+<p:sld xmlns:a="http://schemas.openxmlformats.org/drawingml/2006/main" xmlns:r="http://schemas.openxmlformats.org/officeDocument/2006/relationships" xmlns:p="http://schemas.openxmlformats.org/presentationml/2006/main">
   <p:cSld>
     <p:spTree>
       <p:nvGrpSpPr>
@@ -4719,13 +4733,13 @@
       </p:grpSpPr>
       <p:sp>
         <p:nvSpPr>
-          <p:cNvPr name="TextBox 2" id="2"/>
-          <p:cNvSpPr txBox="true"/>
+          <p:cNvPr id="2" name="TextBox 2"/>
+          <p:cNvSpPr txBox="1"/>
           <p:nvPr/>
         </p:nvSpPr>
         <p:spPr>
-          <a:xfrm rot="0">
-            <a:off x="4495925" y="2699075"/>
+          <a:xfrm>
+            <a:off x="3962400" y="3563858"/>
             <a:ext cx="9296550" cy="1409700"/>
           </a:xfrm>
           <a:prstGeom prst="rect">
@@ -4733,7 +4747,7 @@
           </a:prstGeom>
         </p:spPr>
         <p:txBody>
-          <a:bodyPr anchor="t" rtlCol="false" tIns="0" lIns="0" bIns="0" rIns="0">
+          <a:bodyPr lIns="0" tIns="0" rIns="0" bIns="0" rtlCol="0" anchor="t">
             <a:spAutoFit/>
           </a:bodyPr>
           <a:lstStyle/>
@@ -4744,7 +4758,7 @@
               </a:lnSpc>
             </a:pPr>
             <a:r>
-              <a:rPr lang="en-US" sz="9999">
+              <a:rPr lang="en-US" sz="9999" dirty="0">
                 <a:solidFill>
                   <a:srgbClr val="000000"/>
                 </a:solidFill>
@@ -4760,13 +4774,13 @@
       </p:sp>
       <p:sp>
         <p:nvSpPr>
-          <p:cNvPr name="TextBox 3" id="3"/>
-          <p:cNvSpPr txBox="true"/>
+          <p:cNvPr id="3" name="TextBox 3"/>
+          <p:cNvSpPr txBox="1"/>
           <p:nvPr/>
         </p:nvSpPr>
         <p:spPr>
-          <a:xfrm rot="0">
-            <a:off x="4852725" y="4503100"/>
+          <a:xfrm>
+            <a:off x="4475143" y="5867136"/>
             <a:ext cx="8582550" cy="514350"/>
           </a:xfrm>
           <a:prstGeom prst="rect">
@@ -4774,7 +4788,7 @@
           </a:prstGeom>
         </p:spPr>
         <p:txBody>
-          <a:bodyPr anchor="t" rtlCol="false" tIns="0" lIns="0" bIns="0" rIns="0">
+          <a:bodyPr lIns="0" tIns="0" rIns="0" bIns="0" rtlCol="0" anchor="t">
             <a:spAutoFit/>
           </a:bodyPr>
           <a:lstStyle/>
@@ -4785,7 +4799,7 @@
               </a:lnSpc>
             </a:pPr>
             <a:r>
-              <a:rPr lang="en-US" sz="3200">
+              <a:rPr lang="en-US" sz="3200" dirty="0">
                 <a:solidFill>
                   <a:srgbClr val="000000"/>
                 </a:solidFill>
@@ -4801,23 +4815,23 @@
       </p:sp>
       <p:sp>
         <p:nvSpPr>
-          <p:cNvPr name="Freeform 4" id="4"/>
+          <p:cNvPr id="5" name="Freeform 5"/>
           <p:cNvSpPr/>
           <p:nvPr/>
         </p:nvSpPr>
         <p:spPr>
-          <a:xfrm flipH="false" flipV="false" rot="0">
-            <a:off x="842126" y="1520984"/>
-            <a:ext cx="3562200" cy="7842166"/>
+          <a:xfrm>
+            <a:off x="15011400" y="1333500"/>
+            <a:ext cx="3562200" cy="7794150"/>
           </a:xfrm>
           <a:custGeom>
             <a:avLst/>
             <a:gdLst/>
             <a:ahLst/>
             <a:cxnLst/>
-            <a:rect r="r" b="b" t="t" l="l"/>
+            <a:rect l="l" t="t" r="r" b="b"/>
             <a:pathLst>
-              <a:path h="7842166" w="3562200">
+              <a:path w="3562200" h="7794150">
                 <a:moveTo>
                   <a:pt x="0" y="0"/>
                 </a:moveTo>
@@ -4825,10 +4839,10 @@
                   <a:pt x="3562200" y="0"/>
                 </a:lnTo>
                 <a:lnTo>
-                  <a:pt x="3562200" y="7842166"/>
-                </a:lnTo>
-                <a:lnTo>
-                  <a:pt x="0" y="7842166"/>
+                  <a:pt x="3562200" y="7794150"/>
+                </a:lnTo>
+                <a:lnTo>
+                  <a:pt x="0" y="7794150"/>
                 </a:lnTo>
                 <a:lnTo>
                   <a:pt x="0" y="0"/>
@@ -4846,124 +4860,20 @@
               </a:extLst>
             </a:blip>
             <a:stretch>
-              <a:fillRect l="0" t="0" r="0" b="0"/>
+              <a:fillRect/>
             </a:stretch>
           </a:blipFill>
         </p:spPr>
       </p:sp>
-      <p:sp>
-        <p:nvSpPr>
-          <p:cNvPr name="Freeform 5" id="5"/>
-          <p:cNvSpPr/>
-          <p:nvPr/>
-        </p:nvSpPr>
-        <p:spPr>
-          <a:xfrm flipH="false" flipV="false" rot="0">
-            <a:off x="13883676" y="1545000"/>
-            <a:ext cx="3562200" cy="7794150"/>
-          </a:xfrm>
-          <a:custGeom>
-            <a:avLst/>
-            <a:gdLst/>
-            <a:ahLst/>
-            <a:cxnLst/>
-            <a:rect r="r" b="b" t="t" l="l"/>
-            <a:pathLst>
-              <a:path h="7794150" w="3562200">
-                <a:moveTo>
-                  <a:pt x="0" y="0"/>
-                </a:moveTo>
-                <a:lnTo>
-                  <a:pt x="3562200" y="0"/>
-                </a:lnTo>
-                <a:lnTo>
-                  <a:pt x="3562200" y="7794150"/>
-                </a:lnTo>
-                <a:lnTo>
-                  <a:pt x="0" y="7794150"/>
-                </a:lnTo>
-                <a:lnTo>
-                  <a:pt x="0" y="0"/>
-                </a:lnTo>
-                <a:close/>
-              </a:path>
-            </a:pathLst>
-          </a:custGeom>
-          <a:blipFill>
-            <a:blip r:embed="rId5">
-              <a:extLst>
-                <a:ext uri="{96DAC541-7B7A-43D3-8B79-37D633B846F1}">
-                  <asvg:svgBlip xmlns:asvg="http://schemas.microsoft.com/office/drawing/2016/SVG/main" r:embed="rId6"/>
-                </a:ext>
-              </a:extLst>
-            </a:blip>
-            <a:stretch>
-              <a:fillRect l="0" t="0" r="0" b="0"/>
-            </a:stretch>
-          </a:blipFill>
-        </p:spPr>
-      </p:sp>
-      <p:sp>
-        <p:nvSpPr>
-          <p:cNvPr name="Freeform 6" id="6"/>
-          <p:cNvSpPr/>
-          <p:nvPr/>
-        </p:nvSpPr>
-        <p:spPr>
-          <a:xfrm flipH="false" flipV="false" rot="0">
-            <a:off x="7362600" y="5893354"/>
-            <a:ext cx="3562200" cy="3445796"/>
-          </a:xfrm>
-          <a:custGeom>
-            <a:avLst/>
-            <a:gdLst/>
-            <a:ahLst/>
-            <a:cxnLst/>
-            <a:rect r="r" b="b" t="t" l="l"/>
-            <a:pathLst>
-              <a:path h="3445796" w="3562200">
-                <a:moveTo>
-                  <a:pt x="0" y="0"/>
-                </a:moveTo>
-                <a:lnTo>
-                  <a:pt x="3562200" y="0"/>
-                </a:lnTo>
-                <a:lnTo>
-                  <a:pt x="3562200" y="3445796"/>
-                </a:lnTo>
-                <a:lnTo>
-                  <a:pt x="0" y="3445796"/>
-                </a:lnTo>
-                <a:lnTo>
-                  <a:pt x="0" y="0"/>
-                </a:lnTo>
-                <a:close/>
-              </a:path>
-            </a:pathLst>
-          </a:custGeom>
-          <a:blipFill>
-            <a:blip r:embed="rId7">
-              <a:extLst>
-                <a:ext uri="{96DAC541-7B7A-43D3-8B79-37D633B846F1}">
-                  <asvg:svgBlip xmlns:asvg="http://schemas.microsoft.com/office/drawing/2016/SVG/main" r:embed="rId8"/>
-                </a:ext>
-              </a:extLst>
-            </a:blip>
-            <a:stretch>
-              <a:fillRect l="0" t="0" r="0" b="0"/>
-            </a:stretch>
-          </a:blipFill>
-        </p:spPr>
-      </p:sp>
       <p:grpSp>
         <p:nvGrpSpPr>
-          <p:cNvPr name="Group 7" id="7"/>
+          <p:cNvPr id="7" name="Group 7"/>
           <p:cNvGrpSpPr/>
           <p:nvPr/>
         </p:nvGrpSpPr>
         <p:grpSpPr>
-          <a:xfrm rot="0">
-            <a:off x="5464840" y="4200336"/>
+          <a:xfrm>
+            <a:off x="5087258" y="5564372"/>
             <a:ext cx="7358322" cy="239900"/>
             <a:chOff x="0" y="0"/>
             <a:chExt cx="9811096" cy="319867"/>
@@ -4971,12 +4881,12 @@
         </p:grpSpPr>
         <p:sp>
           <p:nvSpPr>
-            <p:cNvPr name="Freeform 8" id="8"/>
+            <p:cNvPr id="8" name="Freeform 8"/>
             <p:cNvSpPr/>
             <p:nvPr/>
           </p:nvSpPr>
           <p:spPr>
-            <a:xfrm flipH="false" flipV="false" rot="0">
+            <a:xfrm>
               <a:off x="889" y="0"/>
               <a:ext cx="9809353" cy="318770"/>
             </a:xfrm>
@@ -4985,9 +4895,9 @@
               <a:gdLst/>
               <a:ahLst/>
               <a:cxnLst/>
-              <a:rect r="r" b="b" t="t" l="l"/>
+              <a:rect l="l" t="t" r="r" b="b"/>
               <a:pathLst>
-                <a:path h="318770" w="9809353">
+                <a:path w="9809353" h="318770">
                   <a:moveTo>
                     <a:pt x="0" y="0"/>
                   </a:moveTo>
@@ -5014,6 +4924,205 @@
           </p:spPr>
         </p:sp>
       </p:grpSp>
+      <p:sp>
+        <p:nvSpPr>
+          <p:cNvPr id="10" name="TextBox 2">
+            <a:extLst>
+              <a:ext uri="{FF2B5EF4-FFF2-40B4-BE49-F238E27FC236}">
+                <a16:creationId xmlns:a16="http://schemas.microsoft.com/office/drawing/2014/main" id="{9D875409-7D6D-4AC6-984C-30E004642D7B}"/>
+              </a:ext>
+            </a:extLst>
+          </p:cNvPr>
+          <p:cNvSpPr txBox="1"/>
+          <p:nvPr/>
+        </p:nvSpPr>
+        <p:spPr>
+          <a:xfrm>
+            <a:off x="8063345" y="8245812"/>
+            <a:ext cx="9677400" cy="1177245"/>
+          </a:xfrm>
+          <a:prstGeom prst="rect">
+            <a:avLst/>
+          </a:prstGeom>
+        </p:spPr>
+        <p:txBody>
+          <a:bodyPr wrap="square" lIns="0" tIns="0" rIns="0" bIns="0" rtlCol="0" anchor="t">
+            <a:spAutoFit/>
+          </a:bodyPr>
+          <a:lstStyle/>
+          <a:p>
+            <a:pPr algn="ctr">
+              <a:lnSpc>
+                <a:spcPts val="10799"/>
+              </a:lnSpc>
+            </a:pPr>
+            <a:r>
+              <a:rPr lang="en-US" sz="3600" dirty="0">
+                <a:solidFill>
+                  <a:srgbClr val="000000"/>
+                </a:solidFill>
+                <a:latin typeface="Khand"/>
+                <a:ea typeface="Khand"/>
+                <a:cs typeface="Khand"/>
+                <a:sym typeface="Khand"/>
+              </a:rPr>
+              <a:t>By: ROTH Noreasakpheak</a:t>
+            </a:r>
+          </a:p>
+        </p:txBody>
+      </p:sp>
+      <p:sp>
+        <p:nvSpPr>
+          <p:cNvPr id="11" name="TextBox 2">
+            <a:extLst>
+              <a:ext uri="{FF2B5EF4-FFF2-40B4-BE49-F238E27FC236}">
+                <a16:creationId xmlns:a16="http://schemas.microsoft.com/office/drawing/2014/main" id="{D15E8674-93D7-4058-8279-A6571BAF19BE}"/>
+              </a:ext>
+            </a:extLst>
+          </p:cNvPr>
+          <p:cNvSpPr txBox="1"/>
+          <p:nvPr/>
+        </p:nvSpPr>
+        <p:spPr>
+          <a:xfrm>
+            <a:off x="533400" y="7658100"/>
+            <a:ext cx="9677400" cy="2146742"/>
+          </a:xfrm>
+          <a:prstGeom prst="rect">
+            <a:avLst/>
+          </a:prstGeom>
+        </p:spPr>
+        <p:txBody>
+          <a:bodyPr wrap="square" lIns="0" tIns="0" rIns="0" bIns="0" rtlCol="0" anchor="t">
+            <a:spAutoFit/>
+          </a:bodyPr>
+          <a:lstStyle/>
+          <a:p>
+            <a:pPr>
+              <a:lnSpc>
+                <a:spcPts val="10799"/>
+              </a:lnSpc>
+            </a:pPr>
+            <a:r>
+              <a:rPr lang="en-US" sz="3600" dirty="0">
+                <a:solidFill>
+                  <a:srgbClr val="000000"/>
+                </a:solidFill>
+                <a:latin typeface="Khand"/>
+                <a:ea typeface="Khand"/>
+                <a:cs typeface="Khand"/>
+                <a:sym typeface="Khand"/>
+              </a:rPr>
+              <a:t>Computer Science A, FALL 2024 – Final Project</a:t>
+            </a:r>
+          </a:p>
+          <a:p>
+            <a:pPr>
+              <a:lnSpc>
+                <a:spcPct val="150000"/>
+              </a:lnSpc>
+            </a:pPr>
+            <a:r>
+              <a:rPr lang="en-US" sz="3600" dirty="0">
+                <a:solidFill>
+                  <a:srgbClr val="000000"/>
+                </a:solidFill>
+                <a:latin typeface="Khand"/>
+                <a:ea typeface="Khand"/>
+                <a:cs typeface="Khand"/>
+                <a:sym typeface="Khand"/>
+              </a:rPr>
+              <a:t>Prof. Dr. Abdallah </a:t>
+            </a:r>
+            <a:r>
+              <a:rPr lang="en-US" sz="3600" dirty="0" err="1">
+                <a:solidFill>
+                  <a:srgbClr val="000000"/>
+                </a:solidFill>
+                <a:latin typeface="Khand"/>
+                <a:ea typeface="Khand"/>
+                <a:cs typeface="Khand"/>
+                <a:sym typeface="Khand"/>
+              </a:rPr>
+              <a:t>Altrad</a:t>
+            </a:r>
+            <a:endParaRPr lang="en-US" sz="3600" dirty="0">
+              <a:solidFill>
+                <a:srgbClr val="000000"/>
+              </a:solidFill>
+              <a:latin typeface="Khand"/>
+              <a:ea typeface="Khand"/>
+              <a:cs typeface="Khand"/>
+              <a:sym typeface="Khand"/>
+            </a:endParaRPr>
+          </a:p>
+        </p:txBody>
+      </p:sp>
+      <p:sp>
+        <p:nvSpPr>
+          <p:cNvPr id="12" name="Freeform 2">
+            <a:extLst>
+              <a:ext uri="{FF2B5EF4-FFF2-40B4-BE49-F238E27FC236}">
+                <a16:creationId xmlns:a16="http://schemas.microsoft.com/office/drawing/2014/main" id="{8C2F46EA-F988-4E5A-8B72-012174D26698}"/>
+              </a:ext>
+            </a:extLst>
+          </p:cNvPr>
+          <p:cNvSpPr/>
+          <p:nvPr/>
+        </p:nvSpPr>
+        <p:spPr>
+          <a:xfrm>
+            <a:off x="-304800" y="3526008"/>
+            <a:ext cx="4580958" cy="1617492"/>
+          </a:xfrm>
+          <a:custGeom>
+            <a:avLst/>
+            <a:gdLst/>
+            <a:ahLst/>
+            <a:cxnLst/>
+            <a:rect l="l" t="t" r="r" b="b"/>
+            <a:pathLst>
+              <a:path w="4356757" h="4754534">
+                <a:moveTo>
+                  <a:pt x="0" y="0"/>
+                </a:moveTo>
+                <a:lnTo>
+                  <a:pt x="4356757" y="0"/>
+                </a:lnTo>
+                <a:lnTo>
+                  <a:pt x="4356757" y="4754534"/>
+                </a:lnTo>
+                <a:lnTo>
+                  <a:pt x="0" y="4754534"/>
+                </a:lnTo>
+                <a:lnTo>
+                  <a:pt x="0" y="0"/>
+                </a:lnTo>
+                <a:close/>
+              </a:path>
+            </a:pathLst>
+          </a:custGeom>
+          <a:blipFill>
+            <a:blip r:embed="rId5">
+              <a:extLst>
+                <a:ext uri="{96DAC541-7B7A-43D3-8B79-37D633B846F1}">
+                  <asvg:svgBlip xmlns:asvg="http://schemas.microsoft.com/office/drawing/2016/SVG/main" r:embed="rId6"/>
+                </a:ext>
+              </a:extLst>
+            </a:blip>
+            <a:stretch>
+              <a:fillRect t="1" r="4894" b="-202573"/>
+            </a:stretch>
+          </a:blipFill>
+        </p:spPr>
+        <p:txBody>
+          <a:bodyPr/>
+          <a:lstStyle/>
+          <a:p>
+            <a:endParaRPr lang="en-US" dirty="0"/>
+          </a:p>
+        </p:txBody>
+      </p:sp>
     </p:spTree>
   </p:cSld>
   <p:clrMapOvr>
@@ -5023,7 +5132,7 @@
 </file>
 
 <file path=ppt/slides/slide2.xml><?xml version="1.0" encoding="utf-8"?>
-<p:sld xmlns:p="http://schemas.openxmlformats.org/presentationml/2006/main" xmlns:a="http://schemas.openxmlformats.org/drawingml/2006/main" xmlns:r="http://schemas.openxmlformats.org/officeDocument/2006/relationships">
+<p:sld xmlns:a="http://schemas.openxmlformats.org/drawingml/2006/main" xmlns:r="http://schemas.openxmlformats.org/officeDocument/2006/relationships" xmlns:p="http://schemas.openxmlformats.org/presentationml/2006/main">
   <p:cSld>
     <p:spTree>
       <p:nvGrpSpPr>
@@ -5041,12 +5150,12 @@
       </p:grpSpPr>
       <p:sp>
         <p:nvSpPr>
-          <p:cNvPr name="Freeform 2" id="2"/>
+          <p:cNvPr id="2" name="Freeform 2"/>
           <p:cNvSpPr/>
           <p:nvPr/>
         </p:nvSpPr>
         <p:spPr>
-          <a:xfrm flipH="false" flipV="false" rot="0">
+          <a:xfrm>
             <a:off x="11730550" y="3876252"/>
             <a:ext cx="5502000" cy="5453098"/>
           </a:xfrm>
@@ -5055,9 +5164,9 @@
             <a:gdLst/>
             <a:ahLst/>
             <a:cxnLst/>
-            <a:rect r="r" b="b" t="t" l="l"/>
+            <a:rect l="l" t="t" r="r" b="b"/>
             <a:pathLst>
-              <a:path h="5453098" w="5502000">
+              <a:path w="5502000" h="5453098">
                 <a:moveTo>
                   <a:pt x="0" y="0"/>
                 </a:moveTo>
@@ -5086,19 +5195,19 @@
               </a:extLst>
             </a:blip>
             <a:stretch>
-              <a:fillRect l="0" t="0" r="0" b="0"/>
+              <a:fillRect/>
             </a:stretch>
           </a:blipFill>
         </p:spPr>
       </p:sp>
       <p:sp>
         <p:nvSpPr>
-          <p:cNvPr name="Freeform 3" id="3"/>
+          <p:cNvPr id="3" name="Freeform 3"/>
           <p:cNvSpPr/>
           <p:nvPr/>
         </p:nvSpPr>
         <p:spPr>
-          <a:xfrm flipH="false" flipV="false" rot="0">
+          <a:xfrm>
             <a:off x="-16" y="764312"/>
             <a:ext cx="7726340" cy="2106600"/>
           </a:xfrm>
@@ -5107,9 +5216,9 @@
             <a:gdLst/>
             <a:ahLst/>
             <a:cxnLst/>
-            <a:rect r="r" b="b" t="t" l="l"/>
+            <a:rect l="l" t="t" r="r" b="b"/>
             <a:pathLst>
-              <a:path h="2106600" w="7726340">
+              <a:path w="7726340" h="2106600">
                 <a:moveTo>
                   <a:pt x="0" y="0"/>
                 </a:moveTo>
@@ -5138,19 +5247,19 @@
               </a:extLst>
             </a:blip>
             <a:stretch>
-              <a:fillRect l="0" t="0" r="0" b="0"/>
+              <a:fillRect/>
             </a:stretch>
           </a:blipFill>
         </p:spPr>
       </p:sp>
       <p:sp>
         <p:nvSpPr>
-          <p:cNvPr name="TextBox 4" id="4"/>
-          <p:cNvSpPr txBox="true"/>
+          <p:cNvPr id="4" name="TextBox 4"/>
+          <p:cNvSpPr txBox="1"/>
           <p:nvPr/>
         </p:nvSpPr>
         <p:spPr>
-          <a:xfrm rot="0">
+          <a:xfrm>
             <a:off x="9680129" y="1198487"/>
             <a:ext cx="3470672" cy="1228725"/>
           </a:xfrm>
@@ -5159,7 +5268,7 @@
           </a:prstGeom>
         </p:spPr>
         <p:txBody>
-          <a:bodyPr anchor="t" rtlCol="false" tIns="0" lIns="0" bIns="0" rIns="0">
+          <a:bodyPr lIns="0" tIns="0" rIns="0" bIns="0" rtlCol="0" anchor="t">
             <a:spAutoFit/>
           </a:bodyPr>
           <a:lstStyle/>
@@ -5173,7 +5282,7 @@
               </a:spcBef>
             </a:pPr>
             <a:r>
-              <a:rPr lang="en-US" b="true" sz="8000">
+              <a:rPr lang="en-US" sz="8000" b="1">
                 <a:solidFill>
                   <a:srgbClr val="000000"/>
                 </a:solidFill>
@@ -5189,12 +5298,12 @@
       </p:sp>
       <p:sp>
         <p:nvSpPr>
-          <p:cNvPr name="TextBox 5" id="5"/>
-          <p:cNvSpPr txBox="true"/>
+          <p:cNvPr id="5" name="TextBox 5"/>
+          <p:cNvSpPr txBox="1"/>
           <p:nvPr/>
         </p:nvSpPr>
         <p:spPr>
-          <a:xfrm rot="0">
+          <a:xfrm>
             <a:off x="1325021" y="3628602"/>
             <a:ext cx="8769478" cy="4869182"/>
           </a:xfrm>
@@ -5203,7 +5312,7 @@
           </a:prstGeom>
         </p:spPr>
         <p:txBody>
-          <a:bodyPr anchor="t" rtlCol="false" tIns="0" lIns="0" bIns="0" rIns="0">
+          <a:bodyPr lIns="0" tIns="0" rIns="0" bIns="0" rtlCol="0" anchor="t">
             <a:spAutoFit/>
           </a:bodyPr>
           <a:lstStyle/>
@@ -5214,7 +5323,7 @@
               </a:lnSpc>
             </a:pPr>
             <a:r>
-              <a:rPr lang="en-US" sz="3499" b="true">
+              <a:rPr lang="en-US" sz="3499" b="1" dirty="0">
                 <a:solidFill>
                   <a:srgbClr val="000000"/>
                 </a:solidFill>
@@ -5226,7 +5335,7 @@
               <a:t> STOCKARRIER</a:t>
             </a:r>
             <a:r>
-              <a:rPr lang="en-US" sz="3499">
+              <a:rPr lang="en-US" sz="3499" dirty="0">
                 <a:solidFill>
                   <a:srgbClr val="000000"/>
                 </a:solidFill>
@@ -5235,10 +5344,57 @@
                 <a:cs typeface="Arimo"/>
                 <a:sym typeface="Arimo"/>
               </a:rPr>
-              <a:t> </a:t>
-            </a:r>
-            <a:r>
-              <a:rPr lang="en-US" sz="3499">
+              <a:t> powers up inventory management and improves logistics for businesses. Featuring real-time stock tracking and instant visibility into inventory, it sends automated reorder notifications to prevent stockouts and overstocking. </a:t>
+            </a:r>
+          </a:p>
+        </p:txBody>
+      </p:sp>
+      <p:sp>
+        <p:nvSpPr>
+          <p:cNvPr id="7" name="TextBox 5">
+            <a:extLst>
+              <a:ext uri="{FF2B5EF4-FFF2-40B4-BE49-F238E27FC236}">
+                <a16:creationId xmlns:a16="http://schemas.microsoft.com/office/drawing/2014/main" id="{A865D13A-D750-4112-BBED-44D0DB800917}"/>
+              </a:ext>
+            </a:extLst>
+          </p:cNvPr>
+          <p:cNvSpPr txBox="1"/>
+          <p:nvPr/>
+        </p:nvSpPr>
+        <p:spPr>
+          <a:xfrm>
+            <a:off x="9525000" y="2427212"/>
+            <a:ext cx="7019740" cy="727315"/>
+          </a:xfrm>
+          <a:prstGeom prst="rect">
+            <a:avLst/>
+          </a:prstGeom>
+        </p:spPr>
+        <p:txBody>
+          <a:bodyPr wrap="square" lIns="0" tIns="0" rIns="0" bIns="0" rtlCol="0" anchor="t">
+            <a:spAutoFit/>
+          </a:bodyPr>
+          <a:lstStyle/>
+          <a:p>
+            <a:pPr algn="l">
+              <a:lnSpc>
+                <a:spcPts val="6509"/>
+              </a:lnSpc>
+            </a:pPr>
+            <a:r>
+              <a:rPr lang="en-US" sz="3499" b="1" dirty="0">
+                <a:solidFill>
+                  <a:srgbClr val="000000"/>
+                </a:solidFill>
+                <a:latin typeface="Arimo Bold"/>
+                <a:ea typeface="Arimo Bold"/>
+                <a:cs typeface="Arimo Bold"/>
+                <a:sym typeface="Arimo Bold"/>
+              </a:rPr>
+              <a:t> STOCKARRIER</a:t>
+            </a:r>
+            <a:r>
+              <a:rPr lang="en-US" sz="3499" dirty="0">
                 <a:solidFill>
                   <a:srgbClr val="000000"/>
                 </a:solidFill>
@@ -5247,7 +5403,7 @@
                 <a:cs typeface="Arimo"/>
                 <a:sym typeface="Arimo"/>
               </a:rPr>
-              <a:t>powers up inventory management and improves logistics for businesses. Featuring real-time stock tracking and instant visibility into inventory, it sends automated reorder notifications to prevent stockouts and overstocking. </a:t>
+              <a:t> = Stock + Carrier</a:t>
             </a:r>
           </a:p>
         </p:txBody>
@@ -5261,7 +5417,7 @@
 </file>
 
 <file path=ppt/slides/slide3.xml><?xml version="1.0" encoding="utf-8"?>
-<p:sld xmlns:p="http://schemas.openxmlformats.org/presentationml/2006/main" xmlns:a="http://schemas.openxmlformats.org/drawingml/2006/main" xmlns:r="http://schemas.openxmlformats.org/officeDocument/2006/relationships">
+<p:sld xmlns:a="http://schemas.openxmlformats.org/drawingml/2006/main" xmlns:r="http://schemas.openxmlformats.org/officeDocument/2006/relationships" xmlns:p="http://schemas.openxmlformats.org/presentationml/2006/main">
   <p:cSld>
     <p:spTree>
       <p:nvGrpSpPr>
@@ -5279,13 +5435,13 @@
       </p:grpSpPr>
       <p:sp>
         <p:nvSpPr>
-          <p:cNvPr name="Freeform 2" id="2"/>
+          <p:cNvPr id="2" name="Freeform 2"/>
           <p:cNvSpPr/>
           <p:nvPr/>
         </p:nvSpPr>
         <p:spPr>
-          <a:xfrm flipH="false" flipV="false" rot="0">
-            <a:off x="1028700" y="4584618"/>
+          <a:xfrm>
+            <a:off x="1031704" y="4584618"/>
             <a:ext cx="4356757" cy="4754534"/>
           </a:xfrm>
           <a:custGeom>
@@ -5293,9 +5449,9 @@
             <a:gdLst/>
             <a:ahLst/>
             <a:cxnLst/>
-            <a:rect r="r" b="b" t="t" l="l"/>
+            <a:rect l="l" t="t" r="r" b="b"/>
             <a:pathLst>
-              <a:path h="4754534" w="4356757">
+              <a:path w="4356757" h="4754534">
                 <a:moveTo>
                   <a:pt x="0" y="0"/>
                 </a:moveTo>
@@ -5324,19 +5480,26 @@
               </a:extLst>
             </a:blip>
             <a:stretch>
-              <a:fillRect l="0" t="0" r="0" b="0"/>
+              <a:fillRect/>
             </a:stretch>
           </a:blipFill>
         </p:spPr>
-      </p:sp>
-      <p:sp>
-        <p:nvSpPr>
-          <p:cNvPr name="Freeform 3" id="3"/>
+        <p:txBody>
+          <a:bodyPr/>
+          <a:lstStyle/>
+          <a:p>
+            <a:endParaRPr lang="en-US" dirty="0"/>
+          </a:p>
+        </p:txBody>
+      </p:sp>
+      <p:sp>
+        <p:nvSpPr>
+          <p:cNvPr id="3" name="Freeform 3"/>
           <p:cNvSpPr/>
           <p:nvPr/>
         </p:nvSpPr>
         <p:spPr>
-          <a:xfrm flipH="false" flipV="false" rot="0">
+          <a:xfrm>
             <a:off x="13673314" y="1079022"/>
             <a:ext cx="3562200" cy="8260130"/>
           </a:xfrm>
@@ -5345,9 +5508,9 @@
             <a:gdLst/>
             <a:ahLst/>
             <a:cxnLst/>
-            <a:rect r="r" b="b" t="t" l="l"/>
+            <a:rect l="l" t="t" r="r" b="b"/>
             <a:pathLst>
-              <a:path h="8260130" w="3562200">
+              <a:path w="3562200" h="8260130">
                 <a:moveTo>
                   <a:pt x="0" y="0"/>
                 </a:moveTo>
@@ -5376,19 +5539,19 @@
               </a:extLst>
             </a:blip>
             <a:stretch>
-              <a:fillRect l="0" t="0" r="0" b="0"/>
+              <a:fillRect/>
             </a:stretch>
           </a:blipFill>
         </p:spPr>
       </p:sp>
       <p:sp>
         <p:nvSpPr>
-          <p:cNvPr name="TextBox 4" id="4"/>
-          <p:cNvSpPr txBox="true"/>
+          <p:cNvPr id="4" name="TextBox 4"/>
+          <p:cNvSpPr txBox="1"/>
           <p:nvPr/>
         </p:nvSpPr>
         <p:spPr>
-          <a:xfrm rot="0">
+          <a:xfrm>
             <a:off x="8965487" y="1657450"/>
             <a:ext cx="4866150" cy="1323975"/>
           </a:xfrm>
@@ -5397,7 +5560,7 @@
           </a:prstGeom>
         </p:spPr>
         <p:txBody>
-          <a:bodyPr anchor="t" rtlCol="false" tIns="0" lIns="0" bIns="0" rIns="0">
+          <a:bodyPr lIns="0" tIns="0" rIns="0" bIns="0" rtlCol="0" anchor="t">
             <a:spAutoFit/>
           </a:bodyPr>
           <a:lstStyle/>
@@ -5408,7 +5571,7 @@
               </a:lnSpc>
             </a:pPr>
             <a:r>
-              <a:rPr lang="en-US" b="true" sz="4400">
+              <a:rPr lang="en-US" sz="4400" b="1">
                 <a:solidFill>
                   <a:srgbClr val="000000"/>
                 </a:solidFill>
@@ -5424,12 +5587,12 @@
       </p:sp>
       <p:sp>
         <p:nvSpPr>
-          <p:cNvPr name="TextBox 5" id="5"/>
-          <p:cNvSpPr txBox="true"/>
+          <p:cNvPr id="5" name="TextBox 5"/>
+          <p:cNvSpPr txBox="1"/>
           <p:nvPr/>
         </p:nvSpPr>
         <p:spPr>
-          <a:xfrm rot="0">
+          <a:xfrm>
             <a:off x="1731183" y="1259822"/>
             <a:ext cx="5071003" cy="2428875"/>
           </a:xfrm>
@@ -5438,7 +5601,7 @@
           </a:prstGeom>
         </p:spPr>
         <p:txBody>
-          <a:bodyPr anchor="t" rtlCol="false" tIns="0" lIns="0" bIns="0" rIns="0">
+          <a:bodyPr lIns="0" tIns="0" rIns="0" bIns="0" rtlCol="0" anchor="t">
             <a:spAutoFit/>
           </a:bodyPr>
           <a:lstStyle/>
@@ -5449,7 +5612,7 @@
               </a:lnSpc>
             </a:pPr>
             <a:r>
-              <a:rPr lang="en-US" b="true" sz="8000">
+              <a:rPr lang="en-US" sz="8000" b="1">
                 <a:solidFill>
                   <a:srgbClr val="191919"/>
                 </a:solidFill>
@@ -5465,12 +5628,12 @@
       </p:sp>
       <p:sp>
         <p:nvSpPr>
-          <p:cNvPr name="TextBox 6" id="6"/>
-          <p:cNvSpPr txBox="true"/>
+          <p:cNvPr id="6" name="TextBox 6"/>
+          <p:cNvSpPr txBox="1"/>
           <p:nvPr/>
         </p:nvSpPr>
         <p:spPr>
-          <a:xfrm rot="0">
+          <a:xfrm>
             <a:off x="14825689" y="4272691"/>
             <a:ext cx="1257450" cy="829125"/>
           </a:xfrm>
@@ -5479,7 +5642,7 @@
           </a:prstGeom>
         </p:spPr>
         <p:txBody>
-          <a:bodyPr anchor="t" rtlCol="false" tIns="0" lIns="0" bIns="0" rIns="0">
+          <a:bodyPr lIns="0" tIns="0" rIns="0" bIns="0" rtlCol="0" anchor="t">
             <a:spAutoFit/>
           </a:bodyPr>
           <a:lstStyle/>
@@ -5490,7 +5653,7 @@
               </a:lnSpc>
             </a:pPr>
             <a:r>
-              <a:rPr lang="en-US" b="true" sz="8000">
+              <a:rPr lang="en-US" sz="8000" b="1">
                 <a:solidFill>
                   <a:srgbClr val="191919"/>
                 </a:solidFill>
@@ -5506,12 +5669,12 @@
       </p:sp>
       <p:sp>
         <p:nvSpPr>
-          <p:cNvPr name="TextBox 7" id="7"/>
-          <p:cNvSpPr txBox="true"/>
+          <p:cNvPr id="7" name="TextBox 7"/>
+          <p:cNvSpPr txBox="1"/>
           <p:nvPr/>
         </p:nvSpPr>
         <p:spPr>
-          <a:xfrm rot="0">
+          <a:xfrm>
             <a:off x="6802187" y="3999804"/>
             <a:ext cx="7029450" cy="1323975"/>
           </a:xfrm>
@@ -5520,7 +5683,7 @@
           </a:prstGeom>
         </p:spPr>
         <p:txBody>
-          <a:bodyPr anchor="t" rtlCol="false" tIns="0" lIns="0" bIns="0" rIns="0">
+          <a:bodyPr lIns="0" tIns="0" rIns="0" bIns="0" rtlCol="0" anchor="t">
             <a:spAutoFit/>
           </a:bodyPr>
           <a:lstStyle/>
@@ -5531,7 +5694,7 @@
               </a:lnSpc>
             </a:pPr>
             <a:r>
-              <a:rPr lang="en-US" b="true" sz="4400">
+              <a:rPr lang="en-US" sz="4400" b="1">
                 <a:solidFill>
                   <a:srgbClr val="000000"/>
                 </a:solidFill>
@@ -5547,12 +5710,12 @@
       </p:sp>
       <p:sp>
         <p:nvSpPr>
-          <p:cNvPr name="TextBox 8" id="8"/>
-          <p:cNvSpPr txBox="true"/>
+          <p:cNvPr id="8" name="TextBox 8"/>
+          <p:cNvSpPr txBox="1"/>
           <p:nvPr/>
         </p:nvSpPr>
         <p:spPr>
-          <a:xfrm rot="0">
+          <a:xfrm>
             <a:off x="8965487" y="6495008"/>
             <a:ext cx="4866150" cy="1323975"/>
           </a:xfrm>
@@ -5561,7 +5724,7 @@
           </a:prstGeom>
         </p:spPr>
         <p:txBody>
-          <a:bodyPr anchor="t" rtlCol="false" tIns="0" lIns="0" bIns="0" rIns="0">
+          <a:bodyPr lIns="0" tIns="0" rIns="0" bIns="0" rtlCol="0" anchor="t">
             <a:spAutoFit/>
           </a:bodyPr>
           <a:lstStyle/>
@@ -5572,7 +5735,7 @@
               </a:lnSpc>
             </a:pPr>
             <a:r>
-              <a:rPr lang="en-US" b="true" sz="4400">
+              <a:rPr lang="en-US" sz="4400" b="1">
                 <a:solidFill>
                   <a:srgbClr val="000000"/>
                 </a:solidFill>
@@ -5588,12 +5751,12 @@
       </p:sp>
       <p:sp>
         <p:nvSpPr>
-          <p:cNvPr name="TextBox 9" id="9"/>
-          <p:cNvSpPr txBox="true"/>
+          <p:cNvPr id="9" name="TextBox 9"/>
+          <p:cNvSpPr txBox="1"/>
           <p:nvPr/>
         </p:nvSpPr>
         <p:spPr>
-          <a:xfrm rot="0">
+          <a:xfrm>
             <a:off x="14820663" y="6323108"/>
             <a:ext cx="1257450" cy="829125"/>
           </a:xfrm>
@@ -5602,7 +5765,7 @@
           </a:prstGeom>
         </p:spPr>
         <p:txBody>
-          <a:bodyPr anchor="t" rtlCol="false" tIns="0" lIns="0" bIns="0" rIns="0">
+          <a:bodyPr lIns="0" tIns="0" rIns="0" bIns="0" rtlCol="0" anchor="t">
             <a:spAutoFit/>
           </a:bodyPr>
           <a:lstStyle/>
@@ -5613,7 +5776,7 @@
               </a:lnSpc>
             </a:pPr>
             <a:r>
-              <a:rPr lang="en-US" b="true" sz="8000">
+              <a:rPr lang="en-US" sz="8000" b="1">
                 <a:solidFill>
                   <a:srgbClr val="191919"/>
                 </a:solidFill>
@@ -5629,12 +5792,12 @@
       </p:sp>
       <p:sp>
         <p:nvSpPr>
-          <p:cNvPr name="TextBox 10" id="10"/>
-          <p:cNvSpPr txBox="true"/>
+          <p:cNvPr id="10" name="TextBox 10"/>
+          <p:cNvSpPr txBox="1"/>
           <p:nvPr/>
         </p:nvSpPr>
         <p:spPr>
-          <a:xfrm rot="0">
+          <a:xfrm>
             <a:off x="14820663" y="1833437"/>
             <a:ext cx="1257450" cy="829125"/>
           </a:xfrm>
@@ -5643,7 +5806,7 @@
           </a:prstGeom>
         </p:spPr>
         <p:txBody>
-          <a:bodyPr anchor="t" rtlCol="false" tIns="0" lIns="0" bIns="0" rIns="0">
+          <a:bodyPr lIns="0" tIns="0" rIns="0" bIns="0" rtlCol="0" anchor="t">
             <a:spAutoFit/>
           </a:bodyPr>
           <a:lstStyle/>
@@ -5654,7 +5817,7 @@
               </a:lnSpc>
             </a:pPr>
             <a:r>
-              <a:rPr lang="en-US" b="true" sz="8000">
+              <a:rPr lang="en-US" sz="8000" b="1">
                 <a:solidFill>
                   <a:srgbClr val="191919"/>
                 </a:solidFill>
@@ -5677,7 +5840,7 @@
 </file>
 
 <file path=ppt/slides/slide4.xml><?xml version="1.0" encoding="utf-8"?>
-<p:sld xmlns:p="http://schemas.openxmlformats.org/presentationml/2006/main" xmlns:a="http://schemas.openxmlformats.org/drawingml/2006/main" xmlns:r="http://schemas.openxmlformats.org/officeDocument/2006/relationships">
+<p:sld xmlns:a="http://schemas.openxmlformats.org/drawingml/2006/main" xmlns:r="http://schemas.openxmlformats.org/officeDocument/2006/relationships" xmlns:p="http://schemas.openxmlformats.org/presentationml/2006/main">
   <p:cSld>
     <p:spTree>
       <p:nvGrpSpPr>
@@ -5695,12 +5858,12 @@
       </p:grpSpPr>
       <p:sp>
         <p:nvSpPr>
-          <p:cNvPr name="Freeform 2" id="2"/>
+          <p:cNvPr id="2" name="Freeform 2"/>
           <p:cNvSpPr/>
           <p:nvPr/>
         </p:nvSpPr>
         <p:spPr>
-          <a:xfrm flipH="false" flipV="false" rot="0">
+          <a:xfrm>
             <a:off x="13019700" y="9462750"/>
             <a:ext cx="5154000" cy="579600"/>
           </a:xfrm>
@@ -5709,9 +5872,9 @@
             <a:gdLst/>
             <a:ahLst/>
             <a:cxnLst/>
-            <a:rect r="r" b="b" t="t" l="l"/>
+            <a:rect l="l" t="t" r="r" b="b"/>
             <a:pathLst>
-              <a:path h="579600" w="5154000">
+              <a:path w="5154000" h="579600">
                 <a:moveTo>
                   <a:pt x="0" y="0"/>
                 </a:moveTo>
@@ -5740,19 +5903,19 @@
               </a:extLst>
             </a:blip>
             <a:stretch>
-              <a:fillRect l="0" t="0" r="0" b="0"/>
+              <a:fillRect/>
             </a:stretch>
           </a:blipFill>
         </p:spPr>
       </p:sp>
       <p:sp>
         <p:nvSpPr>
-          <p:cNvPr name="Freeform 3" id="3"/>
+          <p:cNvPr id="3" name="Freeform 3"/>
           <p:cNvSpPr/>
           <p:nvPr/>
         </p:nvSpPr>
         <p:spPr>
-          <a:xfrm flipH="false" flipV="false" rot="0">
+          <a:xfrm>
             <a:off x="114300" y="9462750"/>
             <a:ext cx="5154000" cy="579600"/>
           </a:xfrm>
@@ -5761,9 +5924,9 @@
             <a:gdLst/>
             <a:ahLst/>
             <a:cxnLst/>
-            <a:rect r="r" b="b" t="t" l="l"/>
+            <a:rect l="l" t="t" r="r" b="b"/>
             <a:pathLst>
-              <a:path h="579600" w="5154000">
+              <a:path w="5154000" h="579600">
                 <a:moveTo>
                   <a:pt x="0" y="0"/>
                 </a:moveTo>
@@ -5792,19 +5955,19 @@
               </a:extLst>
             </a:blip>
             <a:stretch>
-              <a:fillRect l="0" t="0" r="0" b="0"/>
+              <a:fillRect/>
             </a:stretch>
           </a:blipFill>
         </p:spPr>
       </p:sp>
       <p:grpSp>
         <p:nvGrpSpPr>
-          <p:cNvPr name="Group 4" id="4"/>
+          <p:cNvPr id="4" name="Group 4"/>
           <p:cNvGrpSpPr/>
           <p:nvPr/>
         </p:nvGrpSpPr>
         <p:grpSpPr>
-          <a:xfrm rot="0">
+          <a:xfrm>
             <a:off x="10118312" y="2446060"/>
             <a:ext cx="1955400" cy="1867800"/>
             <a:chOff x="0" y="0"/>
@@ -5813,12 +5976,12 @@
         </p:grpSpPr>
         <p:sp>
           <p:nvSpPr>
-            <p:cNvPr name="Freeform 5" id="5"/>
+            <p:cNvPr id="5" name="Freeform 5"/>
             <p:cNvSpPr/>
             <p:nvPr/>
           </p:nvSpPr>
           <p:spPr>
-            <a:xfrm flipH="false" flipV="false" rot="0">
+            <a:xfrm>
               <a:off x="0" y="0"/>
               <a:ext cx="2607310" cy="2490470"/>
             </a:xfrm>
@@ -5827,9 +5990,9 @@
               <a:gdLst/>
               <a:ahLst/>
               <a:cxnLst/>
-              <a:rect r="r" b="b" t="t" l="l"/>
+              <a:rect l="l" t="t" r="r" b="b"/>
               <a:pathLst>
-                <a:path h="2490470" w="2607310">
+                <a:path w="2607310" h="2490470">
                   <a:moveTo>
                     <a:pt x="0" y="38227"/>
                   </a:moveTo>
@@ -5873,8 +6036,8 @@
         </p:sp>
         <p:sp>
           <p:nvSpPr>
-            <p:cNvPr name="TextBox 6" id="6"/>
-            <p:cNvSpPr txBox="true"/>
+            <p:cNvPr id="6" name="TextBox 6"/>
+            <p:cNvSpPr txBox="1"/>
             <p:nvPr/>
           </p:nvSpPr>
           <p:spPr>
@@ -5887,7 +6050,7 @@
             </a:prstGeom>
           </p:spPr>
           <p:txBody>
-            <a:bodyPr anchor="ctr" rtlCol="false" tIns="50800" lIns="50800" bIns="50800" rIns="50800"/>
+            <a:bodyPr lIns="50800" tIns="50800" rIns="50800" bIns="50800" rtlCol="0" anchor="ctr"/>
             <a:lstStyle/>
             <a:p>
               <a:pPr algn="ctr">
@@ -5895,18 +6058,19 @@
                   <a:spcPts val="9600"/>
                 </a:lnSpc>
               </a:pPr>
+              <a:endParaRPr/>
             </a:p>
           </p:txBody>
         </p:sp>
       </p:grpSp>
       <p:sp>
         <p:nvSpPr>
-          <p:cNvPr name="Freeform 7" id="7"/>
+          <p:cNvPr id="7" name="Freeform 7"/>
           <p:cNvSpPr/>
           <p:nvPr/>
         </p:nvSpPr>
         <p:spPr>
-          <a:xfrm flipH="false" flipV="false" rot="0">
+          <a:xfrm>
             <a:off x="10891350" y="2446036"/>
             <a:ext cx="418652" cy="323652"/>
           </a:xfrm>
@@ -5915,9 +6079,9 @@
             <a:gdLst/>
             <a:ahLst/>
             <a:cxnLst/>
-            <a:rect r="r" b="b" t="t" l="l"/>
+            <a:rect l="l" t="t" r="r" b="b"/>
             <a:pathLst>
-              <a:path h="323652" w="418652">
+              <a:path w="418652" h="323652">
                 <a:moveTo>
                   <a:pt x="0" y="0"/>
                 </a:moveTo>
@@ -5946,19 +6110,19 @@
               </a:extLst>
             </a:blip>
             <a:stretch>
-              <a:fillRect l="0" t="0" r="0" b="0"/>
+              <a:fillRect/>
             </a:stretch>
           </a:blipFill>
         </p:spPr>
       </p:sp>
       <p:sp>
         <p:nvSpPr>
-          <p:cNvPr name="Freeform 8" id="8"/>
+          <p:cNvPr id="8" name="Freeform 8"/>
           <p:cNvSpPr/>
           <p:nvPr/>
         </p:nvSpPr>
         <p:spPr>
-          <a:xfrm flipH="false" flipV="false" rot="0">
+          <a:xfrm>
             <a:off x="10891350" y="3990184"/>
             <a:ext cx="418652" cy="323652"/>
           </a:xfrm>
@@ -5967,9 +6131,9 @@
             <a:gdLst/>
             <a:ahLst/>
             <a:cxnLst/>
-            <a:rect r="r" b="b" t="t" l="l"/>
+            <a:rect l="l" t="t" r="r" b="b"/>
             <a:pathLst>
-              <a:path h="323652" w="418652">
+              <a:path w="418652" h="323652">
                 <a:moveTo>
                   <a:pt x="0" y="0"/>
                 </a:moveTo>
@@ -5998,19 +6162,19 @@
               </a:extLst>
             </a:blip>
             <a:stretch>
-              <a:fillRect l="0" t="0" r="0" b="0"/>
+              <a:fillRect/>
             </a:stretch>
           </a:blipFill>
         </p:spPr>
       </p:sp>
       <p:grpSp>
         <p:nvGrpSpPr>
-          <p:cNvPr name="Group 9" id="9"/>
+          <p:cNvPr id="9" name="Group 9"/>
           <p:cNvGrpSpPr/>
           <p:nvPr/>
         </p:nvGrpSpPr>
         <p:grpSpPr>
-          <a:xfrm rot="0">
+          <a:xfrm>
             <a:off x="10168484" y="2492772"/>
             <a:ext cx="341296" cy="302798"/>
             <a:chOff x="0" y="0"/>
@@ -6019,12 +6183,12 @@
         </p:grpSpPr>
         <p:sp>
           <p:nvSpPr>
-            <p:cNvPr name="Freeform 10" id="10"/>
+            <p:cNvPr id="10" name="Freeform 10"/>
             <p:cNvSpPr/>
             <p:nvPr/>
           </p:nvSpPr>
           <p:spPr>
-            <a:xfrm flipH="false" flipV="false" rot="0">
+            <a:xfrm>
               <a:off x="0" y="127"/>
               <a:ext cx="454914" cy="403606"/>
             </a:xfrm>
@@ -6033,9 +6197,9 @@
               <a:gdLst/>
               <a:ahLst/>
               <a:cxnLst/>
-              <a:rect r="r" b="b" t="t" l="l"/>
+              <a:rect l="l" t="t" r="r" b="b"/>
               <a:pathLst>
-                <a:path h="403606" w="454914">
+                <a:path w="454914" h="403606">
                   <a:moveTo>
                     <a:pt x="139573" y="44069"/>
                   </a:moveTo>
@@ -6138,12 +6302,12 @@
       </p:grpSp>
       <p:grpSp>
         <p:nvGrpSpPr>
-          <p:cNvPr name="Group 11" id="11"/>
+          <p:cNvPr id="11" name="Group 11"/>
           <p:cNvGrpSpPr/>
           <p:nvPr/>
         </p:nvGrpSpPr>
         <p:grpSpPr>
-          <a:xfrm rot="0">
+          <a:xfrm>
             <a:off x="10118312" y="5950274"/>
             <a:ext cx="1955400" cy="1867800"/>
             <a:chOff x="0" y="0"/>
@@ -6152,12 +6316,12 @@
         </p:grpSpPr>
         <p:sp>
           <p:nvSpPr>
-            <p:cNvPr name="Freeform 12" id="12"/>
+            <p:cNvPr id="12" name="Freeform 12"/>
             <p:cNvSpPr/>
             <p:nvPr/>
           </p:nvSpPr>
           <p:spPr>
-            <a:xfrm flipH="false" flipV="false" rot="0">
+            <a:xfrm>
               <a:off x="0" y="0"/>
               <a:ext cx="2607310" cy="2490470"/>
             </a:xfrm>
@@ -6166,9 +6330,9 @@
               <a:gdLst/>
               <a:ahLst/>
               <a:cxnLst/>
-              <a:rect r="r" b="b" t="t" l="l"/>
+              <a:rect l="l" t="t" r="r" b="b"/>
               <a:pathLst>
-                <a:path h="2490470" w="2607310">
+                <a:path w="2607310" h="2490470">
                   <a:moveTo>
                     <a:pt x="0" y="38227"/>
                   </a:moveTo>
@@ -6212,8 +6376,8 @@
         </p:sp>
         <p:sp>
           <p:nvSpPr>
-            <p:cNvPr name="TextBox 13" id="13"/>
-            <p:cNvSpPr txBox="true"/>
+            <p:cNvPr id="13" name="TextBox 13"/>
+            <p:cNvSpPr txBox="1"/>
             <p:nvPr/>
           </p:nvSpPr>
           <p:spPr>
@@ -6226,7 +6390,7 @@
             </a:prstGeom>
           </p:spPr>
           <p:txBody>
-            <a:bodyPr anchor="ctr" rtlCol="false" tIns="50800" lIns="50800" bIns="50800" rIns="50800"/>
+            <a:bodyPr lIns="50800" tIns="50800" rIns="50800" bIns="50800" rtlCol="0" anchor="ctr"/>
             <a:lstStyle/>
             <a:p>
               <a:pPr algn="ctr">
@@ -6234,18 +6398,19 @@
                   <a:spcPts val="9600"/>
                 </a:lnSpc>
               </a:pPr>
+              <a:endParaRPr/>
             </a:p>
           </p:txBody>
         </p:sp>
       </p:grpSp>
       <p:sp>
         <p:nvSpPr>
-          <p:cNvPr name="Freeform 14" id="14"/>
+          <p:cNvPr id="14" name="Freeform 14"/>
           <p:cNvSpPr/>
           <p:nvPr/>
         </p:nvSpPr>
         <p:spPr>
-          <a:xfrm flipH="false" flipV="false" rot="0">
+          <a:xfrm>
             <a:off x="10891350" y="5950250"/>
             <a:ext cx="418652" cy="323652"/>
           </a:xfrm>
@@ -6254,9 +6419,9 @@
             <a:gdLst/>
             <a:ahLst/>
             <a:cxnLst/>
-            <a:rect r="r" b="b" t="t" l="l"/>
+            <a:rect l="l" t="t" r="r" b="b"/>
             <a:pathLst>
-              <a:path h="323652" w="418652">
+              <a:path w="418652" h="323652">
                 <a:moveTo>
                   <a:pt x="0" y="0"/>
                 </a:moveTo>
@@ -6285,19 +6450,19 @@
               </a:extLst>
             </a:blip>
             <a:stretch>
-              <a:fillRect l="0" t="0" r="0" b="0"/>
+              <a:fillRect/>
             </a:stretch>
           </a:blipFill>
         </p:spPr>
       </p:sp>
       <p:sp>
         <p:nvSpPr>
-          <p:cNvPr name="Freeform 15" id="15"/>
+          <p:cNvPr id="15" name="Freeform 15"/>
           <p:cNvSpPr/>
           <p:nvPr/>
         </p:nvSpPr>
         <p:spPr>
-          <a:xfrm flipH="false" flipV="false" rot="0">
+          <a:xfrm>
             <a:off x="10891350" y="7494398"/>
             <a:ext cx="418652" cy="323652"/>
           </a:xfrm>
@@ -6306,9 +6471,9 @@
             <a:gdLst/>
             <a:ahLst/>
             <a:cxnLst/>
-            <a:rect r="r" b="b" t="t" l="l"/>
+            <a:rect l="l" t="t" r="r" b="b"/>
             <a:pathLst>
-              <a:path h="323652" w="418652">
+              <a:path w="418652" h="323652">
                 <a:moveTo>
                   <a:pt x="0" y="0"/>
                 </a:moveTo>
@@ -6337,19 +6502,19 @@
               </a:extLst>
             </a:blip>
             <a:stretch>
-              <a:fillRect l="0" t="0" r="0" b="0"/>
+              <a:fillRect/>
             </a:stretch>
           </a:blipFill>
         </p:spPr>
       </p:sp>
       <p:grpSp>
         <p:nvGrpSpPr>
-          <p:cNvPr name="Group 16" id="16"/>
+          <p:cNvPr id="16" name="Group 16"/>
           <p:cNvGrpSpPr/>
           <p:nvPr/>
         </p:nvGrpSpPr>
         <p:grpSpPr>
-          <a:xfrm rot="0">
+          <a:xfrm>
             <a:off x="10168484" y="5996986"/>
             <a:ext cx="341296" cy="302798"/>
             <a:chOff x="0" y="0"/>
@@ -6358,12 +6523,12 @@
         </p:grpSpPr>
         <p:sp>
           <p:nvSpPr>
-            <p:cNvPr name="Freeform 17" id="17"/>
+            <p:cNvPr id="17" name="Freeform 17"/>
             <p:cNvSpPr/>
             <p:nvPr/>
           </p:nvSpPr>
           <p:spPr>
-            <a:xfrm flipH="false" flipV="false" rot="0">
+            <a:xfrm>
               <a:off x="0" y="127"/>
               <a:ext cx="454914" cy="403606"/>
             </a:xfrm>
@@ -6372,9 +6537,9 @@
               <a:gdLst/>
               <a:ahLst/>
               <a:cxnLst/>
-              <a:rect r="r" b="b" t="t" l="l"/>
+              <a:rect l="l" t="t" r="r" b="b"/>
               <a:pathLst>
-                <a:path h="403606" w="454914">
+                <a:path w="454914" h="403606">
                   <a:moveTo>
                     <a:pt x="139573" y="44069"/>
                   </a:moveTo>
@@ -6477,12 +6642,12 @@
       </p:grpSp>
       <p:grpSp>
         <p:nvGrpSpPr>
-          <p:cNvPr name="Group 18" id="18"/>
+          <p:cNvPr id="18" name="Group 18"/>
           <p:cNvGrpSpPr/>
           <p:nvPr/>
         </p:nvGrpSpPr>
         <p:grpSpPr>
-          <a:xfrm rot="0">
+          <a:xfrm>
             <a:off x="1426464" y="2399324"/>
             <a:ext cx="1955400" cy="1867800"/>
             <a:chOff x="0" y="0"/>
@@ -6491,12 +6656,12 @@
         </p:grpSpPr>
         <p:sp>
           <p:nvSpPr>
-            <p:cNvPr name="Freeform 19" id="19"/>
+            <p:cNvPr id="19" name="Freeform 19"/>
             <p:cNvSpPr/>
             <p:nvPr/>
           </p:nvSpPr>
           <p:spPr>
-            <a:xfrm flipH="false" flipV="false" rot="0">
+            <a:xfrm>
               <a:off x="0" y="0"/>
               <a:ext cx="2607310" cy="2490470"/>
             </a:xfrm>
@@ -6505,9 +6670,9 @@
               <a:gdLst/>
               <a:ahLst/>
               <a:cxnLst/>
-              <a:rect r="r" b="b" t="t" l="l"/>
+              <a:rect l="l" t="t" r="r" b="b"/>
               <a:pathLst>
-                <a:path h="2490470" w="2607310">
+                <a:path w="2607310" h="2490470">
                   <a:moveTo>
                     <a:pt x="0" y="38227"/>
                   </a:moveTo>
@@ -6551,8 +6716,8 @@
         </p:sp>
         <p:sp>
           <p:nvSpPr>
-            <p:cNvPr name="TextBox 20" id="20"/>
-            <p:cNvSpPr txBox="true"/>
+            <p:cNvPr id="20" name="TextBox 20"/>
+            <p:cNvSpPr txBox="1"/>
             <p:nvPr/>
           </p:nvSpPr>
           <p:spPr>
@@ -6565,7 +6730,7 @@
             </a:prstGeom>
           </p:spPr>
           <p:txBody>
-            <a:bodyPr anchor="ctr" rtlCol="false" tIns="50800" lIns="50800" bIns="50800" rIns="50800"/>
+            <a:bodyPr lIns="50800" tIns="50800" rIns="50800" bIns="50800" rtlCol="0" anchor="ctr"/>
             <a:lstStyle/>
             <a:p>
               <a:pPr algn="ctr">
@@ -6573,18 +6738,19 @@
                   <a:spcPts val="9600"/>
                 </a:lnSpc>
               </a:pPr>
+              <a:endParaRPr/>
             </a:p>
           </p:txBody>
         </p:sp>
       </p:grpSp>
       <p:sp>
         <p:nvSpPr>
-          <p:cNvPr name="Freeform 21" id="21"/>
+          <p:cNvPr id="21" name="Freeform 21"/>
           <p:cNvSpPr/>
           <p:nvPr/>
         </p:nvSpPr>
         <p:spPr>
-          <a:xfrm flipH="false" flipV="false" rot="0">
+          <a:xfrm>
             <a:off x="2199502" y="2399300"/>
             <a:ext cx="418652" cy="323652"/>
           </a:xfrm>
@@ -6593,9 +6759,9 @@
             <a:gdLst/>
             <a:ahLst/>
             <a:cxnLst/>
-            <a:rect r="r" b="b" t="t" l="l"/>
+            <a:rect l="l" t="t" r="r" b="b"/>
             <a:pathLst>
-              <a:path h="323652" w="418652">
+              <a:path w="418652" h="323652">
                 <a:moveTo>
                   <a:pt x="0" y="0"/>
                 </a:moveTo>
@@ -6624,19 +6790,19 @@
               </a:extLst>
             </a:blip>
             <a:stretch>
-              <a:fillRect l="0" t="0" r="0" b="0"/>
+              <a:fillRect/>
             </a:stretch>
           </a:blipFill>
         </p:spPr>
       </p:sp>
       <p:sp>
         <p:nvSpPr>
-          <p:cNvPr name="Freeform 22" id="22"/>
+          <p:cNvPr id="22" name="Freeform 22"/>
           <p:cNvSpPr/>
           <p:nvPr/>
         </p:nvSpPr>
         <p:spPr>
-          <a:xfrm flipH="false" flipV="false" rot="0">
+          <a:xfrm>
             <a:off x="2199502" y="3943448"/>
             <a:ext cx="418652" cy="323652"/>
           </a:xfrm>
@@ -6645,9 +6811,9 @@
             <a:gdLst/>
             <a:ahLst/>
             <a:cxnLst/>
-            <a:rect r="r" b="b" t="t" l="l"/>
+            <a:rect l="l" t="t" r="r" b="b"/>
             <a:pathLst>
-              <a:path h="323652" w="418652">
+              <a:path w="418652" h="323652">
                 <a:moveTo>
                   <a:pt x="0" y="0"/>
                 </a:moveTo>
@@ -6676,19 +6842,19 @@
               </a:extLst>
             </a:blip>
             <a:stretch>
-              <a:fillRect l="0" t="0" r="0" b="0"/>
+              <a:fillRect/>
             </a:stretch>
           </a:blipFill>
         </p:spPr>
       </p:sp>
       <p:grpSp>
         <p:nvGrpSpPr>
-          <p:cNvPr name="Group 23" id="23"/>
+          <p:cNvPr id="23" name="Group 23"/>
           <p:cNvGrpSpPr/>
           <p:nvPr/>
         </p:nvGrpSpPr>
         <p:grpSpPr>
-          <a:xfrm rot="0">
+          <a:xfrm>
             <a:off x="1476636" y="2446036"/>
             <a:ext cx="341296" cy="302798"/>
             <a:chOff x="0" y="0"/>
@@ -6697,12 +6863,12 @@
         </p:grpSpPr>
         <p:sp>
           <p:nvSpPr>
-            <p:cNvPr name="Freeform 24" id="24"/>
+            <p:cNvPr id="24" name="Freeform 24"/>
             <p:cNvSpPr/>
             <p:nvPr/>
           </p:nvSpPr>
           <p:spPr>
-            <a:xfrm flipH="false" flipV="false" rot="0">
+            <a:xfrm>
               <a:off x="0" y="127"/>
               <a:ext cx="454914" cy="403606"/>
             </a:xfrm>
@@ -6711,9 +6877,9 @@
               <a:gdLst/>
               <a:ahLst/>
               <a:cxnLst/>
-              <a:rect r="r" b="b" t="t" l="l"/>
+              <a:rect l="l" t="t" r="r" b="b"/>
               <a:pathLst>
-                <a:path h="403606" w="454914">
+                <a:path w="454914" h="403606">
                   <a:moveTo>
                     <a:pt x="139573" y="44069"/>
                   </a:moveTo>
@@ -6816,12 +6982,12 @@
       </p:grpSp>
       <p:grpSp>
         <p:nvGrpSpPr>
-          <p:cNvPr name="Group 25" id="25"/>
+          <p:cNvPr id="25" name="Group 25"/>
           <p:cNvGrpSpPr/>
           <p:nvPr/>
         </p:nvGrpSpPr>
         <p:grpSpPr>
-          <a:xfrm rot="0">
+          <a:xfrm>
             <a:off x="1426464" y="5950274"/>
             <a:ext cx="1955400" cy="1867800"/>
             <a:chOff x="0" y="0"/>
@@ -6830,12 +6996,12 @@
         </p:grpSpPr>
         <p:sp>
           <p:nvSpPr>
-            <p:cNvPr name="Freeform 26" id="26"/>
+            <p:cNvPr id="26" name="Freeform 26"/>
             <p:cNvSpPr/>
             <p:nvPr/>
           </p:nvSpPr>
           <p:spPr>
-            <a:xfrm flipH="false" flipV="false" rot="0">
+            <a:xfrm>
               <a:off x="0" y="0"/>
               <a:ext cx="2607310" cy="2490470"/>
             </a:xfrm>
@@ -6844,9 +7010,9 @@
               <a:gdLst/>
               <a:ahLst/>
               <a:cxnLst/>
-              <a:rect r="r" b="b" t="t" l="l"/>
+              <a:rect l="l" t="t" r="r" b="b"/>
               <a:pathLst>
-                <a:path h="2490470" w="2607310">
+                <a:path w="2607310" h="2490470">
                   <a:moveTo>
                     <a:pt x="0" y="38227"/>
                   </a:moveTo>
@@ -6890,8 +7056,8 @@
         </p:sp>
         <p:sp>
           <p:nvSpPr>
-            <p:cNvPr name="TextBox 27" id="27"/>
-            <p:cNvSpPr txBox="true"/>
+            <p:cNvPr id="27" name="TextBox 27"/>
+            <p:cNvSpPr txBox="1"/>
             <p:nvPr/>
           </p:nvSpPr>
           <p:spPr>
@@ -6904,7 +7070,7 @@
             </a:prstGeom>
           </p:spPr>
           <p:txBody>
-            <a:bodyPr anchor="ctr" rtlCol="false" tIns="50800" lIns="50800" bIns="50800" rIns="50800"/>
+            <a:bodyPr lIns="50800" tIns="50800" rIns="50800" bIns="50800" rtlCol="0" anchor="ctr"/>
             <a:lstStyle/>
             <a:p>
               <a:pPr algn="ctr">
@@ -6912,18 +7078,19 @@
                   <a:spcPts val="9600"/>
                 </a:lnSpc>
               </a:pPr>
+              <a:endParaRPr/>
             </a:p>
           </p:txBody>
         </p:sp>
       </p:grpSp>
       <p:sp>
         <p:nvSpPr>
-          <p:cNvPr name="Freeform 28" id="28"/>
+          <p:cNvPr id="28" name="Freeform 28"/>
           <p:cNvSpPr/>
           <p:nvPr/>
         </p:nvSpPr>
         <p:spPr>
-          <a:xfrm flipH="false" flipV="false" rot="0">
+          <a:xfrm>
             <a:off x="2199502" y="5950250"/>
             <a:ext cx="418652" cy="323652"/>
           </a:xfrm>
@@ -6932,9 +7099,9 @@
             <a:gdLst/>
             <a:ahLst/>
             <a:cxnLst/>
-            <a:rect r="r" b="b" t="t" l="l"/>
+            <a:rect l="l" t="t" r="r" b="b"/>
             <a:pathLst>
-              <a:path h="323652" w="418652">
+              <a:path w="418652" h="323652">
                 <a:moveTo>
                   <a:pt x="0" y="0"/>
                 </a:moveTo>
@@ -6963,19 +7130,19 @@
               </a:extLst>
             </a:blip>
             <a:stretch>
-              <a:fillRect l="0" t="0" r="0" b="0"/>
+              <a:fillRect/>
             </a:stretch>
           </a:blipFill>
         </p:spPr>
       </p:sp>
       <p:sp>
         <p:nvSpPr>
-          <p:cNvPr name="Freeform 29" id="29"/>
+          <p:cNvPr id="29" name="Freeform 29"/>
           <p:cNvSpPr/>
           <p:nvPr/>
         </p:nvSpPr>
         <p:spPr>
-          <a:xfrm flipH="false" flipV="false" rot="0">
+          <a:xfrm>
             <a:off x="2199502" y="7494398"/>
             <a:ext cx="418652" cy="323652"/>
           </a:xfrm>
@@ -6984,9 +7151,9 @@
             <a:gdLst/>
             <a:ahLst/>
             <a:cxnLst/>
-            <a:rect r="r" b="b" t="t" l="l"/>
+            <a:rect l="l" t="t" r="r" b="b"/>
             <a:pathLst>
-              <a:path h="323652" w="418652">
+              <a:path w="418652" h="323652">
                 <a:moveTo>
                   <a:pt x="0" y="0"/>
                 </a:moveTo>
@@ -7015,19 +7182,19 @@
               </a:extLst>
             </a:blip>
             <a:stretch>
-              <a:fillRect l="0" t="0" r="0" b="0"/>
+              <a:fillRect/>
             </a:stretch>
           </a:blipFill>
         </p:spPr>
       </p:sp>
       <p:grpSp>
         <p:nvGrpSpPr>
-          <p:cNvPr name="Group 30" id="30"/>
+          <p:cNvPr id="30" name="Group 30"/>
           <p:cNvGrpSpPr/>
           <p:nvPr/>
         </p:nvGrpSpPr>
         <p:grpSpPr>
-          <a:xfrm rot="0">
+          <a:xfrm>
             <a:off x="1476636" y="5996986"/>
             <a:ext cx="341296" cy="302798"/>
             <a:chOff x="0" y="0"/>
@@ -7036,12 +7203,12 @@
         </p:grpSpPr>
         <p:sp>
           <p:nvSpPr>
-            <p:cNvPr name="Freeform 31" id="31"/>
+            <p:cNvPr id="31" name="Freeform 31"/>
             <p:cNvSpPr/>
             <p:nvPr/>
           </p:nvSpPr>
           <p:spPr>
-            <a:xfrm flipH="false" flipV="false" rot="0">
+            <a:xfrm>
               <a:off x="0" y="127"/>
               <a:ext cx="454914" cy="403606"/>
             </a:xfrm>
@@ -7050,9 +7217,9 @@
               <a:gdLst/>
               <a:ahLst/>
               <a:cxnLst/>
-              <a:rect r="r" b="b" t="t" l="l"/>
+              <a:rect l="l" t="t" r="r" b="b"/>
               <a:pathLst>
-                <a:path h="403606" w="454914">
+                <a:path w="454914" h="403606">
                   <a:moveTo>
                     <a:pt x="139573" y="44069"/>
                   </a:moveTo>
@@ -7155,12 +7322,12 @@
       </p:grpSp>
       <p:sp>
         <p:nvSpPr>
-          <p:cNvPr name="TextBox 32" id="32"/>
-          <p:cNvSpPr txBox="true"/>
+          <p:cNvPr id="32" name="TextBox 32"/>
+          <p:cNvSpPr txBox="1"/>
           <p:nvPr/>
         </p:nvSpPr>
         <p:spPr>
-          <a:xfrm rot="0">
+          <a:xfrm>
             <a:off x="1517875" y="971950"/>
             <a:ext cx="15252150" cy="1219200"/>
           </a:xfrm>
@@ -7169,7 +7336,7 @@
           </a:prstGeom>
         </p:spPr>
         <p:txBody>
-          <a:bodyPr anchor="t" rtlCol="false" tIns="0" lIns="0" bIns="0" rIns="0">
+          <a:bodyPr lIns="0" tIns="0" rIns="0" bIns="0" rtlCol="0" anchor="t">
             <a:spAutoFit/>
           </a:bodyPr>
           <a:lstStyle/>
@@ -7196,12 +7363,12 @@
       </p:sp>
       <p:sp>
         <p:nvSpPr>
-          <p:cNvPr name="TextBox 33" id="33"/>
-          <p:cNvSpPr txBox="true"/>
+          <p:cNvPr id="33" name="TextBox 33"/>
+          <p:cNvSpPr txBox="1"/>
           <p:nvPr/>
         </p:nvSpPr>
         <p:spPr>
-          <a:xfrm rot="0">
+          <a:xfrm>
             <a:off x="7946074" y="4432275"/>
             <a:ext cx="3837750" cy="657225"/>
           </a:xfrm>
@@ -7210,7 +7377,7 @@
           </a:prstGeom>
         </p:spPr>
         <p:txBody>
-          <a:bodyPr anchor="t" rtlCol="false" tIns="0" lIns="0" bIns="0" rIns="0">
+          <a:bodyPr lIns="0" tIns="0" rIns="0" bIns="0" rtlCol="0" anchor="t">
             <a:spAutoFit/>
           </a:bodyPr>
           <a:lstStyle/>
@@ -7221,7 +7388,7 @@
               </a:lnSpc>
             </a:pPr>
             <a:r>
-              <a:rPr lang="en-US" b="true" sz="4400">
+              <a:rPr lang="en-US" sz="4400" b="1">
                 <a:solidFill>
                   <a:srgbClr val="000000"/>
                 </a:solidFill>
@@ -7237,12 +7404,12 @@
       </p:sp>
       <p:sp>
         <p:nvSpPr>
-          <p:cNvPr name="TextBox 34" id="34"/>
-          <p:cNvSpPr txBox="true"/>
+          <p:cNvPr id="34" name="TextBox 34"/>
+          <p:cNvSpPr txBox="1"/>
           <p:nvPr/>
         </p:nvSpPr>
         <p:spPr>
-          <a:xfrm rot="0">
+          <a:xfrm>
             <a:off x="1430550" y="4486275"/>
             <a:ext cx="1951314" cy="657225"/>
           </a:xfrm>
@@ -7251,7 +7418,7 @@
           </a:prstGeom>
         </p:spPr>
         <p:txBody>
-          <a:bodyPr anchor="t" rtlCol="false" tIns="0" lIns="0" bIns="0" rIns="0">
+          <a:bodyPr lIns="0" tIns="0" rIns="0" bIns="0" rtlCol="0" anchor="t">
             <a:spAutoFit/>
           </a:bodyPr>
           <a:lstStyle/>
@@ -7278,12 +7445,12 @@
       </p:sp>
       <p:sp>
         <p:nvSpPr>
-          <p:cNvPr name="TextBox 35" id="35"/>
-          <p:cNvSpPr txBox="true"/>
+          <p:cNvPr id="35" name="TextBox 35"/>
+          <p:cNvSpPr txBox="1"/>
           <p:nvPr/>
         </p:nvSpPr>
         <p:spPr>
-          <a:xfrm rot="0">
+          <a:xfrm>
             <a:off x="8972475" y="8037149"/>
             <a:ext cx="3837750" cy="657225"/>
           </a:xfrm>
@@ -7292,7 +7459,7 @@
           </a:prstGeom>
         </p:spPr>
         <p:txBody>
-          <a:bodyPr anchor="t" rtlCol="false" tIns="0" lIns="0" bIns="0" rIns="0">
+          <a:bodyPr lIns="0" tIns="0" rIns="0" bIns="0" rtlCol="0" anchor="t">
             <a:spAutoFit/>
           </a:bodyPr>
           <a:lstStyle/>
@@ -7303,7 +7470,7 @@
               </a:lnSpc>
             </a:pPr>
             <a:r>
-              <a:rPr lang="en-US" b="true" sz="4400">
+              <a:rPr lang="en-US" sz="4400" b="1">
                 <a:solidFill>
                   <a:srgbClr val="000000"/>
                 </a:solidFill>
@@ -7319,12 +7486,12 @@
       </p:sp>
       <p:sp>
         <p:nvSpPr>
-          <p:cNvPr name="TextBox 36" id="36"/>
-          <p:cNvSpPr txBox="true"/>
+          <p:cNvPr id="36" name="TextBox 36"/>
+          <p:cNvSpPr txBox="1"/>
           <p:nvPr/>
         </p:nvSpPr>
         <p:spPr>
-          <a:xfrm rot="0">
+          <a:xfrm>
             <a:off x="1426464" y="8037149"/>
             <a:ext cx="2789593" cy="657225"/>
           </a:xfrm>
@@ -7333,7 +7500,7 @@
           </a:prstGeom>
         </p:spPr>
         <p:txBody>
-          <a:bodyPr anchor="t" rtlCol="false" tIns="0" lIns="0" bIns="0" rIns="0">
+          <a:bodyPr lIns="0" tIns="0" rIns="0" bIns="0" rtlCol="0" anchor="t">
             <a:spAutoFit/>
           </a:bodyPr>
           <a:lstStyle/>
@@ -7360,12 +7527,12 @@
       </p:sp>
       <p:grpSp>
         <p:nvGrpSpPr>
-          <p:cNvPr name="Group 37" id="37"/>
+          <p:cNvPr id="37" name="Group 37"/>
           <p:cNvGrpSpPr/>
           <p:nvPr/>
         </p:nvGrpSpPr>
         <p:grpSpPr>
-          <a:xfrm rot="0">
+          <a:xfrm>
             <a:off x="5986588" y="2389874"/>
             <a:ext cx="1955400" cy="1867800"/>
             <a:chOff x="0" y="0"/>
@@ -7374,12 +7541,12 @@
         </p:grpSpPr>
         <p:sp>
           <p:nvSpPr>
-            <p:cNvPr name="Freeform 38" id="38"/>
+            <p:cNvPr id="38" name="Freeform 38"/>
             <p:cNvSpPr/>
             <p:nvPr/>
           </p:nvSpPr>
           <p:spPr>
-            <a:xfrm flipH="false" flipV="false" rot="0">
+            <a:xfrm>
               <a:off x="0" y="0"/>
               <a:ext cx="2607310" cy="2490470"/>
             </a:xfrm>
@@ -7388,9 +7555,9 @@
               <a:gdLst/>
               <a:ahLst/>
               <a:cxnLst/>
-              <a:rect r="r" b="b" t="t" l="l"/>
+              <a:rect l="l" t="t" r="r" b="b"/>
               <a:pathLst>
-                <a:path h="2490470" w="2607310">
+                <a:path w="2607310" h="2490470">
                   <a:moveTo>
                     <a:pt x="0" y="38227"/>
                   </a:moveTo>
@@ -7434,8 +7601,8 @@
         </p:sp>
         <p:sp>
           <p:nvSpPr>
-            <p:cNvPr name="TextBox 39" id="39"/>
-            <p:cNvSpPr txBox="true"/>
+            <p:cNvPr id="39" name="TextBox 39"/>
+            <p:cNvSpPr txBox="1"/>
             <p:nvPr/>
           </p:nvSpPr>
           <p:spPr>
@@ -7448,7 +7615,7 @@
             </a:prstGeom>
           </p:spPr>
           <p:txBody>
-            <a:bodyPr anchor="ctr" rtlCol="false" tIns="50800" lIns="50800" bIns="50800" rIns="50800"/>
+            <a:bodyPr lIns="50800" tIns="50800" rIns="50800" bIns="50800" rtlCol="0" anchor="ctr"/>
             <a:lstStyle/>
             <a:p>
               <a:pPr algn="ctr">
@@ -7456,18 +7623,19 @@
                   <a:spcPts val="9600"/>
                 </a:lnSpc>
               </a:pPr>
+              <a:endParaRPr/>
             </a:p>
           </p:txBody>
         </p:sp>
       </p:grpSp>
       <p:sp>
         <p:nvSpPr>
-          <p:cNvPr name="Freeform 40" id="40"/>
+          <p:cNvPr id="40" name="Freeform 40"/>
           <p:cNvSpPr/>
           <p:nvPr/>
         </p:nvSpPr>
         <p:spPr>
-          <a:xfrm flipH="false" flipV="false" rot="0">
+          <a:xfrm>
             <a:off x="2351902" y="2551700"/>
             <a:ext cx="418652" cy="323652"/>
           </a:xfrm>
@@ -7476,9 +7644,9 @@
             <a:gdLst/>
             <a:ahLst/>
             <a:cxnLst/>
-            <a:rect r="r" b="b" t="t" l="l"/>
+            <a:rect l="l" t="t" r="r" b="b"/>
             <a:pathLst>
-              <a:path h="323652" w="418652">
+              <a:path w="418652" h="323652">
                 <a:moveTo>
                   <a:pt x="0" y="0"/>
                 </a:moveTo>
@@ -7507,19 +7675,19 @@
               </a:extLst>
             </a:blip>
             <a:stretch>
-              <a:fillRect l="0" t="0" r="0" b="0"/>
+              <a:fillRect/>
             </a:stretch>
           </a:blipFill>
         </p:spPr>
       </p:sp>
       <p:sp>
         <p:nvSpPr>
-          <p:cNvPr name="Freeform 41" id="41"/>
+          <p:cNvPr id="41" name="Freeform 41"/>
           <p:cNvSpPr/>
           <p:nvPr/>
         </p:nvSpPr>
         <p:spPr>
-          <a:xfrm flipH="false" flipV="false" rot="0">
+          <a:xfrm>
             <a:off x="2351902" y="4095848"/>
             <a:ext cx="418652" cy="323652"/>
           </a:xfrm>
@@ -7528,9 +7696,9 @@
             <a:gdLst/>
             <a:ahLst/>
             <a:cxnLst/>
-            <a:rect r="r" b="b" t="t" l="l"/>
+            <a:rect l="l" t="t" r="r" b="b"/>
             <a:pathLst>
-              <a:path h="323652" w="418652">
+              <a:path w="418652" h="323652">
                 <a:moveTo>
                   <a:pt x="0" y="0"/>
                 </a:moveTo>
@@ -7559,19 +7727,19 @@
               </a:extLst>
             </a:blip>
             <a:stretch>
-              <a:fillRect l="0" t="0" r="0" b="0"/>
+              <a:fillRect/>
             </a:stretch>
           </a:blipFill>
         </p:spPr>
       </p:sp>
       <p:grpSp>
         <p:nvGrpSpPr>
-          <p:cNvPr name="Group 42" id="42"/>
+          <p:cNvPr id="42" name="Group 42"/>
           <p:cNvGrpSpPr/>
           <p:nvPr/>
         </p:nvGrpSpPr>
         <p:grpSpPr>
-          <a:xfrm rot="0">
+          <a:xfrm>
             <a:off x="1629036" y="2598436"/>
             <a:ext cx="341296" cy="302798"/>
             <a:chOff x="0" y="0"/>
@@ -7580,12 +7748,12 @@
         </p:grpSpPr>
         <p:sp>
           <p:nvSpPr>
-            <p:cNvPr name="Freeform 43" id="43"/>
+            <p:cNvPr id="43" name="Freeform 43"/>
             <p:cNvSpPr/>
             <p:nvPr/>
           </p:nvSpPr>
           <p:spPr>
-            <a:xfrm flipH="false" flipV="false" rot="0">
+            <a:xfrm>
               <a:off x="0" y="127"/>
               <a:ext cx="454914" cy="403606"/>
             </a:xfrm>
@@ -7594,9 +7762,9 @@
               <a:gdLst/>
               <a:ahLst/>
               <a:cxnLst/>
-              <a:rect r="r" b="b" t="t" l="l"/>
+              <a:rect l="l" t="t" r="r" b="b"/>
               <a:pathLst>
-                <a:path h="403606" w="454914">
+                <a:path w="454914" h="403606">
                   <a:moveTo>
                     <a:pt x="139573" y="44069"/>
                   </a:moveTo>
@@ -7699,12 +7867,12 @@
       </p:grpSp>
       <p:grpSp>
         <p:nvGrpSpPr>
-          <p:cNvPr name="Group 44" id="44"/>
+          <p:cNvPr id="44" name="Group 44"/>
           <p:cNvGrpSpPr/>
           <p:nvPr/>
         </p:nvGrpSpPr>
         <p:grpSpPr>
-          <a:xfrm rot="0">
+          <a:xfrm>
             <a:off x="5990674" y="5996986"/>
             <a:ext cx="1955400" cy="1867800"/>
             <a:chOff x="0" y="0"/>
@@ -7713,12 +7881,12 @@
         </p:grpSpPr>
         <p:sp>
           <p:nvSpPr>
-            <p:cNvPr name="Freeform 45" id="45"/>
+            <p:cNvPr id="45" name="Freeform 45"/>
             <p:cNvSpPr/>
             <p:nvPr/>
           </p:nvSpPr>
           <p:spPr>
-            <a:xfrm flipH="false" flipV="false" rot="0">
+            <a:xfrm>
               <a:off x="0" y="0"/>
               <a:ext cx="2607310" cy="2490470"/>
             </a:xfrm>
@@ -7727,9 +7895,9 @@
               <a:gdLst/>
               <a:ahLst/>
               <a:cxnLst/>
-              <a:rect r="r" b="b" t="t" l="l"/>
+              <a:rect l="l" t="t" r="r" b="b"/>
               <a:pathLst>
-                <a:path h="2490470" w="2607310">
+                <a:path w="2607310" h="2490470">
                   <a:moveTo>
                     <a:pt x="0" y="38227"/>
                   </a:moveTo>
@@ -7773,8 +7941,8 @@
         </p:sp>
         <p:sp>
           <p:nvSpPr>
-            <p:cNvPr name="TextBox 46" id="46"/>
-            <p:cNvSpPr txBox="true"/>
+            <p:cNvPr id="46" name="TextBox 46"/>
+            <p:cNvSpPr txBox="1"/>
             <p:nvPr/>
           </p:nvSpPr>
           <p:spPr>
@@ -7787,7 +7955,7 @@
             </a:prstGeom>
           </p:spPr>
           <p:txBody>
-            <a:bodyPr anchor="ctr" rtlCol="false" tIns="50800" lIns="50800" bIns="50800" rIns="50800"/>
+            <a:bodyPr lIns="50800" tIns="50800" rIns="50800" bIns="50800" rtlCol="0" anchor="ctr"/>
             <a:lstStyle/>
             <a:p>
               <a:pPr algn="ctr">
@@ -7795,18 +7963,19 @@
                   <a:spcPts val="9600"/>
                 </a:lnSpc>
               </a:pPr>
+              <a:endParaRPr/>
             </a:p>
           </p:txBody>
         </p:sp>
       </p:grpSp>
       <p:sp>
         <p:nvSpPr>
-          <p:cNvPr name="Freeform 47" id="47"/>
+          <p:cNvPr id="47" name="Freeform 47"/>
           <p:cNvSpPr/>
           <p:nvPr/>
         </p:nvSpPr>
         <p:spPr>
-          <a:xfrm flipH="false" flipV="false" rot="0">
+          <a:xfrm>
             <a:off x="2351902" y="6102650"/>
             <a:ext cx="418652" cy="323652"/>
           </a:xfrm>
@@ -7815,9 +7984,9 @@
             <a:gdLst/>
             <a:ahLst/>
             <a:cxnLst/>
-            <a:rect r="r" b="b" t="t" l="l"/>
+            <a:rect l="l" t="t" r="r" b="b"/>
             <a:pathLst>
-              <a:path h="323652" w="418652">
+              <a:path w="418652" h="323652">
                 <a:moveTo>
                   <a:pt x="0" y="0"/>
                 </a:moveTo>
@@ -7846,19 +8015,19 @@
               </a:extLst>
             </a:blip>
             <a:stretch>
-              <a:fillRect l="0" t="0" r="0" b="0"/>
+              <a:fillRect/>
             </a:stretch>
           </a:blipFill>
         </p:spPr>
       </p:sp>
       <p:sp>
         <p:nvSpPr>
-          <p:cNvPr name="Freeform 48" id="48"/>
+          <p:cNvPr id="48" name="Freeform 48"/>
           <p:cNvSpPr/>
           <p:nvPr/>
         </p:nvSpPr>
         <p:spPr>
-          <a:xfrm flipH="false" flipV="false" rot="0">
+          <a:xfrm>
             <a:off x="2351902" y="7646798"/>
             <a:ext cx="418652" cy="323652"/>
           </a:xfrm>
@@ -7867,9 +8036,9 @@
             <a:gdLst/>
             <a:ahLst/>
             <a:cxnLst/>
-            <a:rect r="r" b="b" t="t" l="l"/>
+            <a:rect l="l" t="t" r="r" b="b"/>
             <a:pathLst>
-              <a:path h="323652" w="418652">
+              <a:path w="418652" h="323652">
                 <a:moveTo>
                   <a:pt x="0" y="0"/>
                 </a:moveTo>
@@ -7898,19 +8067,19 @@
               </a:extLst>
             </a:blip>
             <a:stretch>
-              <a:fillRect l="0" t="0" r="0" b="0"/>
+              <a:fillRect/>
             </a:stretch>
           </a:blipFill>
         </p:spPr>
       </p:sp>
       <p:grpSp>
         <p:nvGrpSpPr>
-          <p:cNvPr name="Group 49" id="49"/>
+          <p:cNvPr id="49" name="Group 49"/>
           <p:cNvGrpSpPr/>
           <p:nvPr/>
         </p:nvGrpSpPr>
         <p:grpSpPr>
-          <a:xfrm rot="0">
+          <a:xfrm>
             <a:off x="1629036" y="6149386"/>
             <a:ext cx="341296" cy="302798"/>
             <a:chOff x="0" y="0"/>
@@ -7919,12 +8088,12 @@
         </p:grpSpPr>
         <p:sp>
           <p:nvSpPr>
-            <p:cNvPr name="Freeform 50" id="50"/>
+            <p:cNvPr id="50" name="Freeform 50"/>
             <p:cNvSpPr/>
             <p:nvPr/>
           </p:nvSpPr>
           <p:spPr>
-            <a:xfrm flipH="false" flipV="false" rot="0">
+            <a:xfrm>
               <a:off x="0" y="127"/>
               <a:ext cx="454914" cy="403606"/>
             </a:xfrm>
@@ -7933,9 +8102,9 @@
               <a:gdLst/>
               <a:ahLst/>
               <a:cxnLst/>
-              <a:rect r="r" b="b" t="t" l="l"/>
+              <a:rect l="l" t="t" r="r" b="b"/>
               <a:pathLst>
-                <a:path h="403606" w="454914">
+                <a:path w="454914" h="403606">
                   <a:moveTo>
                     <a:pt x="139573" y="44069"/>
                   </a:moveTo>
@@ -8038,12 +8207,12 @@
       </p:grpSp>
       <p:sp>
         <p:nvSpPr>
-          <p:cNvPr name="TextBox 51" id="51"/>
-          <p:cNvSpPr txBox="true"/>
+          <p:cNvPr id="51" name="TextBox 51"/>
+          <p:cNvSpPr txBox="1"/>
           <p:nvPr/>
         </p:nvSpPr>
         <p:spPr>
-          <a:xfrm rot="0">
+          <a:xfrm>
             <a:off x="5990674" y="4467224"/>
             <a:ext cx="2465098" cy="657225"/>
           </a:xfrm>
@@ -8052,7 +8221,7 @@
           </a:prstGeom>
         </p:spPr>
         <p:txBody>
-          <a:bodyPr anchor="t" rtlCol="false" tIns="0" lIns="0" bIns="0" rIns="0">
+          <a:bodyPr lIns="0" tIns="0" rIns="0" bIns="0" rtlCol="0" anchor="t">
             <a:spAutoFit/>
           </a:bodyPr>
           <a:lstStyle/>
@@ -8079,12 +8248,12 @@
       </p:sp>
       <p:sp>
         <p:nvSpPr>
-          <p:cNvPr name="TextBox 52" id="52"/>
-          <p:cNvSpPr txBox="true"/>
+          <p:cNvPr id="52" name="TextBox 52"/>
+          <p:cNvSpPr txBox="1"/>
           <p:nvPr/>
         </p:nvSpPr>
         <p:spPr>
-          <a:xfrm rot="0">
+          <a:xfrm>
             <a:off x="5986588" y="8037149"/>
             <a:ext cx="2789593" cy="657225"/>
           </a:xfrm>
@@ -8093,7 +8262,7 @@
           </a:prstGeom>
         </p:spPr>
         <p:txBody>
-          <a:bodyPr anchor="t" rtlCol="false" tIns="0" lIns="0" bIns="0" rIns="0">
+          <a:bodyPr lIns="0" tIns="0" rIns="0" bIns="0" rtlCol="0" anchor="t">
             <a:spAutoFit/>
           </a:bodyPr>
           <a:lstStyle/>
@@ -8120,12 +8289,12 @@
       </p:sp>
       <p:grpSp>
         <p:nvGrpSpPr>
-          <p:cNvPr name="Group 53" id="53"/>
+          <p:cNvPr id="53" name="Group 53"/>
           <p:cNvGrpSpPr/>
           <p:nvPr/>
         </p:nvGrpSpPr>
         <p:grpSpPr>
-          <a:xfrm rot="0">
+          <a:xfrm>
             <a:off x="13704909" y="2436214"/>
             <a:ext cx="1955400" cy="1867800"/>
             <a:chOff x="0" y="0"/>
@@ -8134,12 +8303,12 @@
         </p:grpSpPr>
         <p:sp>
           <p:nvSpPr>
-            <p:cNvPr name="Freeform 54" id="54"/>
+            <p:cNvPr id="54" name="Freeform 54"/>
             <p:cNvSpPr/>
             <p:nvPr/>
           </p:nvSpPr>
           <p:spPr>
-            <a:xfrm flipH="false" flipV="false" rot="0">
+            <a:xfrm>
               <a:off x="0" y="0"/>
               <a:ext cx="2607310" cy="2490470"/>
             </a:xfrm>
@@ -8148,9 +8317,9 @@
               <a:gdLst/>
               <a:ahLst/>
               <a:cxnLst/>
-              <a:rect r="r" b="b" t="t" l="l"/>
+              <a:rect l="l" t="t" r="r" b="b"/>
               <a:pathLst>
-                <a:path h="2490470" w="2607310">
+                <a:path w="2607310" h="2490470">
                   <a:moveTo>
                     <a:pt x="0" y="38227"/>
                   </a:moveTo>
@@ -8194,8 +8363,8 @@
         </p:sp>
         <p:sp>
           <p:nvSpPr>
-            <p:cNvPr name="TextBox 55" id="55"/>
-            <p:cNvSpPr txBox="true"/>
+            <p:cNvPr id="55" name="TextBox 55"/>
+            <p:cNvSpPr txBox="1"/>
             <p:nvPr/>
           </p:nvSpPr>
           <p:spPr>
@@ -8208,7 +8377,7 @@
             </a:prstGeom>
           </p:spPr>
           <p:txBody>
-            <a:bodyPr anchor="ctr" rtlCol="false" tIns="50800" lIns="50800" bIns="50800" rIns="50800"/>
+            <a:bodyPr lIns="50800" tIns="50800" rIns="50800" bIns="50800" rtlCol="0" anchor="ctr"/>
             <a:lstStyle/>
             <a:p>
               <a:pPr algn="ctr">
@@ -8216,18 +8385,19 @@
                   <a:spcPts val="9600"/>
                 </a:lnSpc>
               </a:pPr>
+              <a:endParaRPr/>
             </a:p>
           </p:txBody>
         </p:sp>
       </p:grpSp>
       <p:sp>
         <p:nvSpPr>
-          <p:cNvPr name="Freeform 56" id="56"/>
+          <p:cNvPr id="56" name="Freeform 56"/>
           <p:cNvSpPr/>
           <p:nvPr/>
         </p:nvSpPr>
         <p:spPr>
-          <a:xfrm flipH="false" flipV="false" rot="0">
+          <a:xfrm>
             <a:off x="14477947" y="3980338"/>
             <a:ext cx="418652" cy="323652"/>
           </a:xfrm>
@@ -8236,9 +8406,9 @@
             <a:gdLst/>
             <a:ahLst/>
             <a:cxnLst/>
-            <a:rect r="r" b="b" t="t" l="l"/>
+            <a:rect l="l" t="t" r="r" b="b"/>
             <a:pathLst>
-              <a:path h="323652" w="418652">
+              <a:path w="418652" h="323652">
                 <a:moveTo>
                   <a:pt x="0" y="0"/>
                 </a:moveTo>
@@ -8267,19 +8437,19 @@
               </a:extLst>
             </a:blip>
             <a:stretch>
-              <a:fillRect l="0" t="0" r="0" b="0"/>
+              <a:fillRect/>
             </a:stretch>
           </a:blipFill>
         </p:spPr>
       </p:sp>
       <p:sp>
         <p:nvSpPr>
-          <p:cNvPr name="TextBox 57" id="57"/>
-          <p:cNvSpPr txBox="true"/>
+          <p:cNvPr id="57" name="TextBox 57"/>
+          <p:cNvSpPr txBox="1"/>
           <p:nvPr/>
         </p:nvSpPr>
         <p:spPr>
-          <a:xfrm rot="0">
+          <a:xfrm>
             <a:off x="11532671" y="4422429"/>
             <a:ext cx="3837750" cy="657225"/>
           </a:xfrm>
@@ -8288,7 +8458,7 @@
           </a:prstGeom>
         </p:spPr>
         <p:txBody>
-          <a:bodyPr anchor="t" rtlCol="false" tIns="0" lIns="0" bIns="0" rIns="0">
+          <a:bodyPr lIns="0" tIns="0" rIns="0" bIns="0" rtlCol="0" anchor="t">
             <a:spAutoFit/>
           </a:bodyPr>
           <a:lstStyle/>
@@ -8299,7 +8469,7 @@
               </a:lnSpc>
             </a:pPr>
             <a:r>
-              <a:rPr lang="en-US" b="true" sz="4400">
+              <a:rPr lang="en-US" sz="4400" b="1">
                 <a:solidFill>
                   <a:srgbClr val="000000"/>
                 </a:solidFill>
@@ -8315,12 +8485,12 @@
       </p:sp>
       <p:grpSp>
         <p:nvGrpSpPr>
-          <p:cNvPr name="Group 58" id="58"/>
+          <p:cNvPr id="58" name="Group 58"/>
           <p:cNvGrpSpPr/>
           <p:nvPr/>
         </p:nvGrpSpPr>
         <p:grpSpPr>
-          <a:xfrm rot="0">
+          <a:xfrm>
             <a:off x="13704909" y="5950298"/>
             <a:ext cx="1955400" cy="1867800"/>
             <a:chOff x="0" y="0"/>
@@ -8329,12 +8499,12 @@
         </p:grpSpPr>
         <p:sp>
           <p:nvSpPr>
-            <p:cNvPr name="Freeform 59" id="59"/>
+            <p:cNvPr id="59" name="Freeform 59"/>
             <p:cNvSpPr/>
             <p:nvPr/>
           </p:nvSpPr>
           <p:spPr>
-            <a:xfrm flipH="false" flipV="false" rot="0">
+            <a:xfrm>
               <a:off x="0" y="0"/>
               <a:ext cx="2607310" cy="2490470"/>
             </a:xfrm>
@@ -8343,9 +8513,9 @@
               <a:gdLst/>
               <a:ahLst/>
               <a:cxnLst/>
-              <a:rect r="r" b="b" t="t" l="l"/>
+              <a:rect l="l" t="t" r="r" b="b"/>
               <a:pathLst>
-                <a:path h="2490470" w="2607310">
+                <a:path w="2607310" h="2490470">
                   <a:moveTo>
                     <a:pt x="0" y="38227"/>
                   </a:moveTo>
@@ -8389,8 +8559,8 @@
         </p:sp>
         <p:sp>
           <p:nvSpPr>
-            <p:cNvPr name="TextBox 60" id="60"/>
-            <p:cNvSpPr txBox="true"/>
+            <p:cNvPr id="60" name="TextBox 60"/>
+            <p:cNvSpPr txBox="1"/>
             <p:nvPr/>
           </p:nvSpPr>
           <p:spPr>
@@ -8403,7 +8573,7 @@
             </a:prstGeom>
           </p:spPr>
           <p:txBody>
-            <a:bodyPr anchor="ctr" rtlCol="false" tIns="50800" lIns="50800" bIns="50800" rIns="50800"/>
+            <a:bodyPr lIns="50800" tIns="50800" rIns="50800" bIns="50800" rtlCol="0" anchor="ctr"/>
             <a:lstStyle/>
             <a:p>
               <a:pPr algn="ctr">
@@ -8411,18 +8581,19 @@
                   <a:spcPts val="9600"/>
                 </a:lnSpc>
               </a:pPr>
+              <a:endParaRPr/>
             </a:p>
           </p:txBody>
         </p:sp>
       </p:grpSp>
       <p:sp>
         <p:nvSpPr>
-          <p:cNvPr name="Freeform 61" id="61"/>
+          <p:cNvPr id="61" name="Freeform 61"/>
           <p:cNvSpPr/>
           <p:nvPr/>
         </p:nvSpPr>
         <p:spPr>
-          <a:xfrm flipH="false" flipV="false" rot="0">
+          <a:xfrm>
             <a:off x="14477947" y="5950274"/>
             <a:ext cx="418652" cy="323652"/>
           </a:xfrm>
@@ -8431,9 +8602,9 @@
             <a:gdLst/>
             <a:ahLst/>
             <a:cxnLst/>
-            <a:rect r="r" b="b" t="t" l="l"/>
+            <a:rect l="l" t="t" r="r" b="b"/>
             <a:pathLst>
-              <a:path h="323652" w="418652">
+              <a:path w="418652" h="323652">
                 <a:moveTo>
                   <a:pt x="0" y="0"/>
                 </a:moveTo>
@@ -8462,19 +8633,19 @@
               </a:extLst>
             </a:blip>
             <a:stretch>
-              <a:fillRect l="0" t="0" r="0" b="0"/>
+              <a:fillRect/>
             </a:stretch>
           </a:blipFill>
         </p:spPr>
       </p:sp>
       <p:sp>
         <p:nvSpPr>
-          <p:cNvPr name="Freeform 62" id="62"/>
+          <p:cNvPr id="62" name="Freeform 62"/>
           <p:cNvSpPr/>
           <p:nvPr/>
         </p:nvSpPr>
         <p:spPr>
-          <a:xfrm flipH="false" flipV="false" rot="0">
+          <a:xfrm>
             <a:off x="14477947" y="7494422"/>
             <a:ext cx="418652" cy="323652"/>
           </a:xfrm>
@@ -8483,9 +8654,9 @@
             <a:gdLst/>
             <a:ahLst/>
             <a:cxnLst/>
-            <a:rect r="r" b="b" t="t" l="l"/>
+            <a:rect l="l" t="t" r="r" b="b"/>
             <a:pathLst>
-              <a:path h="323652" w="418652">
+              <a:path w="418652" h="323652">
                 <a:moveTo>
                   <a:pt x="0" y="0"/>
                 </a:moveTo>
@@ -8514,19 +8685,19 @@
               </a:extLst>
             </a:blip>
             <a:stretch>
-              <a:fillRect l="0" t="0" r="0" b="0"/>
+              <a:fillRect/>
             </a:stretch>
           </a:blipFill>
         </p:spPr>
       </p:sp>
       <p:grpSp>
         <p:nvGrpSpPr>
-          <p:cNvPr name="Group 63" id="63"/>
+          <p:cNvPr id="63" name="Group 63"/>
           <p:cNvGrpSpPr/>
           <p:nvPr/>
         </p:nvGrpSpPr>
         <p:grpSpPr>
-          <a:xfrm rot="0">
+          <a:xfrm>
             <a:off x="13755081" y="5997010"/>
             <a:ext cx="341296" cy="302798"/>
             <a:chOff x="0" y="0"/>
@@ -8535,12 +8706,12 @@
         </p:grpSpPr>
         <p:sp>
           <p:nvSpPr>
-            <p:cNvPr name="Freeform 64" id="64"/>
+            <p:cNvPr id="64" name="Freeform 64"/>
             <p:cNvSpPr/>
             <p:nvPr/>
           </p:nvSpPr>
           <p:spPr>
-            <a:xfrm flipH="false" flipV="false" rot="0">
+            <a:xfrm>
               <a:off x="0" y="127"/>
               <a:ext cx="454914" cy="403606"/>
             </a:xfrm>
@@ -8549,9 +8720,9 @@
               <a:gdLst/>
               <a:ahLst/>
               <a:cxnLst/>
-              <a:rect r="r" b="b" t="t" l="l"/>
+              <a:rect l="l" t="t" r="r" b="b"/>
               <a:pathLst>
-                <a:path h="403606" w="454914">
+                <a:path w="454914" h="403606">
                   <a:moveTo>
                     <a:pt x="139573" y="44069"/>
                   </a:moveTo>
@@ -8654,12 +8825,12 @@
       </p:grpSp>
       <p:sp>
         <p:nvSpPr>
-          <p:cNvPr name="TextBox 65" id="65"/>
-          <p:cNvSpPr txBox="true"/>
+          <p:cNvPr id="65" name="TextBox 65"/>
+          <p:cNvSpPr txBox="1"/>
           <p:nvPr/>
         </p:nvSpPr>
         <p:spPr>
-          <a:xfrm rot="0">
+          <a:xfrm>
             <a:off x="12559072" y="8037173"/>
             <a:ext cx="3837750" cy="657225"/>
           </a:xfrm>
@@ -8668,7 +8839,7 @@
           </a:prstGeom>
         </p:spPr>
         <p:txBody>
-          <a:bodyPr anchor="t" rtlCol="false" tIns="0" lIns="0" bIns="0" rIns="0">
+          <a:bodyPr lIns="0" tIns="0" rIns="0" bIns="0" rtlCol="0" anchor="t">
             <a:spAutoFit/>
           </a:bodyPr>
           <a:lstStyle/>
@@ -8679,7 +8850,7 @@
               </a:lnSpc>
             </a:pPr>
             <a:r>
-              <a:rPr lang="en-US" b="true" sz="4400">
+              <a:rPr lang="en-US" sz="4400" b="1">
                 <a:solidFill>
                   <a:srgbClr val="000000"/>
                 </a:solidFill>
@@ -8702,7 +8873,7 @@
 </file>
 
 <file path=ppt/slides/slide5.xml><?xml version="1.0" encoding="utf-8"?>
-<p:sld xmlns:p="http://schemas.openxmlformats.org/presentationml/2006/main" xmlns:a="http://schemas.openxmlformats.org/drawingml/2006/main" xmlns:r="http://schemas.openxmlformats.org/officeDocument/2006/relationships">
+<p:sld xmlns:a="http://schemas.openxmlformats.org/drawingml/2006/main" xmlns:r="http://schemas.openxmlformats.org/officeDocument/2006/relationships" xmlns:p="http://schemas.openxmlformats.org/presentationml/2006/main">
   <p:cSld>
     <p:spTree>
       <p:nvGrpSpPr>
@@ -8720,12 +8891,12 @@
       </p:grpSpPr>
       <p:sp>
         <p:nvSpPr>
-          <p:cNvPr name="Freeform 2" id="2"/>
+          <p:cNvPr id="2" name="Freeform 2"/>
           <p:cNvSpPr/>
           <p:nvPr/>
         </p:nvSpPr>
         <p:spPr>
-          <a:xfrm flipH="false" flipV="false" rot="0">
+          <a:xfrm>
             <a:off x="12802930" y="666970"/>
             <a:ext cx="4058628" cy="3876806"/>
           </a:xfrm>
@@ -8734,9 +8905,9 @@
             <a:gdLst/>
             <a:ahLst/>
             <a:cxnLst/>
-            <a:rect r="r" b="b" t="t" l="l"/>
+            <a:rect l="l" t="t" r="r" b="b"/>
             <a:pathLst>
-              <a:path h="3876806" w="4058628">
+              <a:path w="4058628" h="3876806">
                 <a:moveTo>
                   <a:pt x="0" y="0"/>
                 </a:moveTo>
@@ -8765,19 +8936,19 @@
               </a:extLst>
             </a:blip>
             <a:stretch>
-              <a:fillRect l="0" t="0" r="0" b="0"/>
+              <a:fillRect/>
             </a:stretch>
           </a:blipFill>
         </p:spPr>
       </p:sp>
       <p:sp>
         <p:nvSpPr>
-          <p:cNvPr name="TextBox 3" id="3"/>
-          <p:cNvSpPr txBox="true"/>
+          <p:cNvPr id="3" name="TextBox 3"/>
+          <p:cNvSpPr txBox="1"/>
           <p:nvPr/>
         </p:nvSpPr>
         <p:spPr>
-          <a:xfrm rot="0">
+          <a:xfrm>
             <a:off x="8660223" y="6264100"/>
             <a:ext cx="8121600" cy="2428875"/>
           </a:xfrm>
@@ -8786,7 +8957,7 @@
           </a:prstGeom>
         </p:spPr>
         <p:txBody>
-          <a:bodyPr anchor="t" rtlCol="false" tIns="0" lIns="0" bIns="0" rIns="0">
+          <a:bodyPr lIns="0" tIns="0" rIns="0" bIns="0" rtlCol="0" anchor="t">
             <a:spAutoFit/>
           </a:bodyPr>
           <a:lstStyle/>
@@ -8813,12 +8984,12 @@
       </p:sp>
       <p:sp>
         <p:nvSpPr>
-          <p:cNvPr name="TextBox 4" id="4"/>
-          <p:cNvSpPr txBox="true"/>
+          <p:cNvPr id="4" name="TextBox 4"/>
+          <p:cNvSpPr txBox="1"/>
           <p:nvPr/>
         </p:nvSpPr>
         <p:spPr>
-          <a:xfrm rot="0">
+          <a:xfrm>
             <a:off x="13730201" y="1635772"/>
             <a:ext cx="2113050" cy="1939200"/>
           </a:xfrm>
@@ -8827,7 +8998,7 @@
           </a:prstGeom>
         </p:spPr>
         <p:txBody>
-          <a:bodyPr anchor="t" rtlCol="false" tIns="0" lIns="0" bIns="0" rIns="0">
+          <a:bodyPr lIns="0" tIns="0" rIns="0" bIns="0" rtlCol="0" anchor="t">
             <a:spAutoFit/>
           </a:bodyPr>
           <a:lstStyle/>
@@ -8838,7 +9009,7 @@
               </a:lnSpc>
             </a:pPr>
             <a:r>
-              <a:rPr lang="en-US" b="true" sz="16000">
+              <a:rPr lang="en-US" sz="16000" b="1">
                 <a:solidFill>
                   <a:srgbClr val="191919"/>
                 </a:solidFill>
@@ -8854,12 +9025,12 @@
       </p:sp>
       <p:sp>
         <p:nvSpPr>
-          <p:cNvPr name="Freeform 5" id="5"/>
+          <p:cNvPr id="5" name="Freeform 5"/>
           <p:cNvSpPr/>
           <p:nvPr/>
         </p:nvSpPr>
         <p:spPr>
-          <a:xfrm flipH="false" flipV="false" rot="0">
+          <a:xfrm>
             <a:off x="1426450" y="1079000"/>
             <a:ext cx="6093924" cy="8250348"/>
           </a:xfrm>
@@ -8868,9 +9039,9 @@
             <a:gdLst/>
             <a:ahLst/>
             <a:cxnLst/>
-            <a:rect r="r" b="b" t="t" l="l"/>
+            <a:rect l="l" t="t" r="r" b="b"/>
             <a:pathLst>
-              <a:path h="8250348" w="6093924">
+              <a:path w="6093924" h="8250348">
                 <a:moveTo>
                   <a:pt x="0" y="0"/>
                 </a:moveTo>
@@ -8899,19 +9070,19 @@
               </a:extLst>
             </a:blip>
             <a:stretch>
-              <a:fillRect l="0" t="0" r="0" b="0"/>
+              <a:fillRect/>
             </a:stretch>
           </a:blipFill>
         </p:spPr>
       </p:sp>
       <p:sp>
         <p:nvSpPr>
-          <p:cNvPr name="Freeform 6" id="6"/>
+          <p:cNvPr id="6" name="Freeform 6"/>
           <p:cNvSpPr/>
           <p:nvPr/>
         </p:nvSpPr>
         <p:spPr>
-          <a:xfrm flipH="false" flipV="false" rot="0">
+          <a:xfrm>
             <a:off x="9506850" y="4669998"/>
             <a:ext cx="14629200" cy="1030800"/>
           </a:xfrm>
@@ -8920,9 +9091,9 @@
             <a:gdLst/>
             <a:ahLst/>
             <a:cxnLst/>
-            <a:rect r="r" b="b" t="t" l="l"/>
+            <a:rect l="l" t="t" r="r" b="b"/>
             <a:pathLst>
-              <a:path h="1030800" w="14629200">
+              <a:path w="14629200" h="1030800">
                 <a:moveTo>
                   <a:pt x="0" y="0"/>
                 </a:moveTo>
@@ -8951,7 +9122,7 @@
               </a:extLst>
             </a:blip>
             <a:stretch>
-              <a:fillRect l="0" t="0" r="0" b="0"/>
+              <a:fillRect/>
             </a:stretch>
           </a:blipFill>
         </p:spPr>
@@ -8965,7 +9136,7 @@
 </file>
 
 <file path=ppt/slides/slide6.xml><?xml version="1.0" encoding="utf-8"?>
-<p:sld xmlns:p="http://schemas.openxmlformats.org/presentationml/2006/main" xmlns:a="http://schemas.openxmlformats.org/drawingml/2006/main" xmlns:r="http://schemas.openxmlformats.org/officeDocument/2006/relationships">
+<p:sld xmlns:a="http://schemas.openxmlformats.org/drawingml/2006/main" xmlns:r="http://schemas.openxmlformats.org/officeDocument/2006/relationships" xmlns:p="http://schemas.openxmlformats.org/presentationml/2006/main">
   <p:cSld>
     <p:spTree>
       <p:nvGrpSpPr>
@@ -8983,12 +9154,12 @@
       </p:grpSpPr>
       <p:grpSp>
         <p:nvGrpSpPr>
-          <p:cNvPr name="Group 2" id="2"/>
+          <p:cNvPr id="2" name="Group 2"/>
           <p:cNvGrpSpPr/>
           <p:nvPr/>
         </p:nvGrpSpPr>
         <p:grpSpPr>
-          <a:xfrm rot="0">
+          <a:xfrm>
             <a:off x="900204" y="8744948"/>
             <a:ext cx="5115000" cy="584400"/>
             <a:chOff x="0" y="0"/>
@@ -8997,12 +9168,12 @@
         </p:grpSpPr>
         <p:sp>
           <p:nvSpPr>
-            <p:cNvPr name="Freeform 3" id="3"/>
+            <p:cNvPr id="3" name="Freeform 3"/>
             <p:cNvSpPr/>
             <p:nvPr/>
           </p:nvSpPr>
           <p:spPr>
-            <a:xfrm flipH="false" flipV="false" rot="0">
+            <a:xfrm>
               <a:off x="0" y="0"/>
               <a:ext cx="6819900" cy="779145"/>
             </a:xfrm>
@@ -9011,9 +9182,9 @@
               <a:gdLst/>
               <a:ahLst/>
               <a:cxnLst/>
-              <a:rect r="r" b="b" t="t" l="l"/>
+              <a:rect l="l" t="t" r="r" b="b"/>
               <a:pathLst>
-                <a:path h="779145" w="6819900">
+                <a:path w="6819900" h="779145">
                   <a:moveTo>
                     <a:pt x="0" y="389636"/>
                   </a:moveTo>
@@ -9049,12 +9220,12 @@
       </p:grpSp>
       <p:sp>
         <p:nvSpPr>
-          <p:cNvPr name="TextBox 4" id="4"/>
-          <p:cNvSpPr txBox="true"/>
+          <p:cNvPr id="4" name="TextBox 4"/>
+          <p:cNvSpPr txBox="1"/>
           <p:nvPr/>
         </p:nvSpPr>
         <p:spPr>
-          <a:xfrm rot="0">
+          <a:xfrm>
             <a:off x="418763" y="441442"/>
             <a:ext cx="8968932" cy="1981200"/>
           </a:xfrm>
@@ -9063,7 +9234,7 @@
           </a:prstGeom>
         </p:spPr>
         <p:txBody>
-          <a:bodyPr anchor="t" rtlCol="false" tIns="0" lIns="0" bIns="0" rIns="0">
+          <a:bodyPr lIns="0" tIns="0" rIns="0" bIns="0" rtlCol="0" anchor="t">
             <a:spAutoFit/>
           </a:bodyPr>
           <a:lstStyle/>
@@ -9090,12 +9261,12 @@
       </p:sp>
       <p:sp>
         <p:nvSpPr>
-          <p:cNvPr name="TextBox 5" id="5"/>
-          <p:cNvSpPr txBox="true"/>
+          <p:cNvPr id="5" name="TextBox 5"/>
+          <p:cNvSpPr txBox="1"/>
           <p:nvPr/>
         </p:nvSpPr>
         <p:spPr>
-          <a:xfrm rot="0">
+          <a:xfrm>
             <a:off x="900204" y="3152775"/>
             <a:ext cx="17387796" cy="5324475"/>
           </a:xfrm>
@@ -9104,12 +9275,12 @@
           </a:prstGeom>
         </p:spPr>
         <p:txBody>
-          <a:bodyPr anchor="t" rtlCol="false" tIns="0" lIns="0" bIns="0" rIns="0">
+          <a:bodyPr lIns="0" tIns="0" rIns="0" bIns="0" rtlCol="0" anchor="t">
             <a:spAutoFit/>
           </a:bodyPr>
           <a:lstStyle/>
           <a:p>
-            <a:pPr algn="l" marL="949951" indent="-474975" lvl="1">
+            <a:pPr marL="949951" lvl="1" indent="-474975" algn="l">
               <a:lnSpc>
                 <a:spcPts val="5279"/>
               </a:lnSpc>
@@ -9120,7 +9291,7 @@
               <a:buChar char="•"/>
             </a:pPr>
             <a:r>
-              <a:rPr lang="en-US" b="true" sz="4399">
+              <a:rPr lang="en-US" sz="4399" b="1">
                 <a:solidFill>
                   <a:srgbClr val="191919"/>
                 </a:solidFill>
@@ -9129,22 +9300,10 @@
                 <a:cs typeface="Khand Medium"/>
                 <a:sym typeface="Khand Medium"/>
               </a:rPr>
-              <a:t>The design is inspired by Code First with Hala (a </a:t>
-            </a:r>
-            <a:r>
-              <a:rPr lang="en-US" b="true" sz="4399">
-                <a:solidFill>
-                  <a:srgbClr val="191919"/>
-                </a:solidFill>
-                <a:latin typeface="Khand Medium"/>
-                <a:ea typeface="Khand Medium"/>
-                <a:cs typeface="Khand Medium"/>
-                <a:sym typeface="Khand Medium"/>
-              </a:rPr>
-              <a:t>YouTube channel), video: </a:t>
-            </a:r>
-            <a:r>
-              <a:rPr lang="en-US" b="true" sz="4399" u="sng">
+              <a:t>The design is inspired by Code First with Hala (a YouTube channel), video: </a:t>
+            </a:r>
+            <a:r>
+              <a:rPr lang="en-US" sz="4399" b="1" u="sng">
                 <a:solidFill>
                   <a:srgbClr val="191919"/>
                 </a:solidFill>
@@ -9166,9 +9325,19 @@
                 <a:spcPct val="0"/>
               </a:spcBef>
             </a:pPr>
-          </a:p>
-          <a:p>
-            <a:pPr algn="l" marL="949951" indent="-474975" lvl="1">
+            <a:endParaRPr lang="en-US" sz="4399" b="1" u="sng">
+              <a:solidFill>
+                <a:srgbClr val="191919"/>
+              </a:solidFill>
+              <a:latin typeface="Khand Medium"/>
+              <a:ea typeface="Khand Medium"/>
+              <a:cs typeface="Khand Medium"/>
+              <a:sym typeface="Khand Medium"/>
+              <a:hlinkClick r:id="rId3" tooltip="https://youtu.be/8m4uDS_nyCk?si=G0PStO7G0t3XQLad"/>
+            </a:endParaRPr>
+          </a:p>
+          <a:p>
+            <a:pPr marL="949951" lvl="1" indent="-474975" algn="l">
               <a:lnSpc>
                 <a:spcPts val="5279"/>
               </a:lnSpc>
@@ -9179,7 +9348,7 @@
               <a:buChar char="•"/>
             </a:pPr>
             <a:r>
-              <a:rPr lang="en-US" b="true" sz="4399">
+              <a:rPr lang="en-US" sz="4399" b="1">
                 <a:solidFill>
                   <a:srgbClr val="191919"/>
                 </a:solidFill>
@@ -9191,7 +9360,7 @@
               <a:t>Theme use: from GitHub: </a:t>
             </a:r>
             <a:r>
-              <a:rPr lang="en-US" b="true" sz="4399" u="sng">
+              <a:rPr lang="en-US" sz="4399" b="1" u="sng">
                 <a:solidFill>
                   <a:srgbClr val="191919"/>
                 </a:solidFill>
@@ -9213,9 +9382,19 @@
                 <a:spcPct val="0"/>
               </a:spcBef>
             </a:pPr>
-          </a:p>
-          <a:p>
-            <a:pPr algn="l" marL="949951" indent="-474975" lvl="1">
+            <a:endParaRPr lang="en-US" sz="4399" b="1" u="sng">
+              <a:solidFill>
+                <a:srgbClr val="191919"/>
+              </a:solidFill>
+              <a:latin typeface="Khand Medium"/>
+              <a:ea typeface="Khand Medium"/>
+              <a:cs typeface="Khand Medium"/>
+              <a:sym typeface="Khand Medium"/>
+              <a:hlinkClick r:id="rId4" tooltip="https://github.com/rdbende/Forest-ttk-theme"/>
+            </a:endParaRPr>
+          </a:p>
+          <a:p>
+            <a:pPr marL="949951" lvl="1" indent="-474975" algn="l">
               <a:lnSpc>
                 <a:spcPts val="5279"/>
               </a:lnSpc>
@@ -9226,7 +9405,7 @@
               <a:buChar char="•"/>
             </a:pPr>
             <a:r>
-              <a:rPr lang="en-US" b="true" sz="4399">
+              <a:rPr lang="en-US" sz="4399" b="1">
                 <a:solidFill>
                   <a:srgbClr val="191919"/>
                 </a:solidFill>
@@ -9247,6 +9426,15 @@
                 <a:spcPct val="0"/>
               </a:spcBef>
             </a:pPr>
+            <a:endParaRPr lang="en-US" sz="4399" b="1">
+              <a:solidFill>
+                <a:srgbClr val="191919"/>
+              </a:solidFill>
+              <a:latin typeface="Khand Medium"/>
+              <a:ea typeface="Khand Medium"/>
+              <a:cs typeface="Khand Medium"/>
+              <a:sym typeface="Khand Medium"/>
+            </a:endParaRPr>
           </a:p>
         </p:txBody>
       </p:sp>
